--- a/docs/slides/Final_Presentation_25_01.pptx
+++ b/docs/slides/Final_Presentation_25_01.pptx
@@ -9886,32 +9886,200 @@
               <a:buNone/>
             </a:pPr>
             <a:r>
-              <a:rPr lang="en-US" sz="3000" b="1"/>
-              <a:t>Leitfragen:</a:t>
-            </a:r>
-          </a:p>
-          <a:p>
-            <a:r>
-              <a:rPr lang="en-US" sz="2400"/>
-              <a:t>Wie lässt sich der Emotion Detector erfolgreich als Kaufargument vermarkten?</a:t>
-            </a:r>
-          </a:p>
-          <a:p>
-            <a:endParaRPr lang="en-US" sz="2400"/>
-          </a:p>
-          <a:p>
-            <a:r>
-              <a:rPr lang="en-US" sz="2400"/>
-              <a:t>Was für Auswirkungen hat die Einführung des Emotion Detectors auf den Absatz der Bankprodukte?</a:t>
-            </a:r>
-          </a:p>
-          <a:p>
-            <a:endParaRPr lang="en-US" sz="2400"/>
-          </a:p>
-          <a:p>
-            <a:r>
-              <a:rPr lang="en-US" sz="2400"/>
-              <a:t>Welche Zweifel hegen Zielgruppen und wie räumt man diese aus? </a:t>
+              <a:rPr lang="en-US" sz="3000" b="1" dirty="0" err="1"/>
+              <a:t>Leitfragen</a:t>
+            </a:r>
+            <a:r>
+              <a:rPr lang="en-US" sz="3000" b="1" dirty="0"/>
+              <a:t>:</a:t>
+            </a:r>
+          </a:p>
+          <a:p>
+            <a:r>
+              <a:rPr lang="en-US" sz="2400" dirty="0"/>
+              <a:t>Wie </a:t>
+            </a:r>
+            <a:r>
+              <a:rPr lang="en-US" sz="2400" dirty="0" err="1"/>
+              <a:t>lässt</a:t>
+            </a:r>
+            <a:r>
+              <a:rPr lang="en-US" sz="2400" dirty="0"/>
+              <a:t> </a:t>
+            </a:r>
+            <a:r>
+              <a:rPr lang="en-US" sz="2400" dirty="0" err="1"/>
+              <a:t>sich</a:t>
+            </a:r>
+            <a:r>
+              <a:rPr lang="en-US" sz="2400" dirty="0"/>
+              <a:t> </a:t>
+            </a:r>
+            <a:r>
+              <a:rPr lang="en-US" sz="2400" dirty="0" err="1"/>
+              <a:t>ShireEye</a:t>
+            </a:r>
+            <a:r>
+              <a:rPr lang="en-US" sz="2400" dirty="0"/>
+              <a:t> </a:t>
+            </a:r>
+            <a:r>
+              <a:rPr lang="en-US" sz="2400" dirty="0" err="1"/>
+              <a:t>erfolgreich</a:t>
+            </a:r>
+            <a:r>
+              <a:rPr lang="en-US" sz="2400" dirty="0"/>
+              <a:t> </a:t>
+            </a:r>
+            <a:r>
+              <a:rPr lang="en-US" sz="2400" dirty="0" err="1"/>
+              <a:t>als</a:t>
+            </a:r>
+            <a:r>
+              <a:rPr lang="en-US" sz="2400" dirty="0"/>
+              <a:t> </a:t>
+            </a:r>
+            <a:r>
+              <a:rPr lang="en-US" sz="2400" dirty="0" err="1"/>
+              <a:t>Kaufargument</a:t>
+            </a:r>
+            <a:r>
+              <a:rPr lang="en-US" sz="2400" dirty="0"/>
+              <a:t> </a:t>
+            </a:r>
+            <a:r>
+              <a:rPr lang="en-US" sz="2400" dirty="0" err="1"/>
+              <a:t>vermarkten</a:t>
+            </a:r>
+            <a:r>
+              <a:rPr lang="en-US" sz="2400" dirty="0"/>
+              <a:t>?</a:t>
+            </a:r>
+          </a:p>
+          <a:p>
+            <a:endParaRPr lang="en-US" sz="2400" dirty="0"/>
+          </a:p>
+          <a:p>
+            <a:r>
+              <a:rPr lang="en-US" sz="2400" dirty="0"/>
+              <a:t>Was </a:t>
+            </a:r>
+            <a:r>
+              <a:rPr lang="en-US" sz="2400" dirty="0" err="1"/>
+              <a:t>für</a:t>
+            </a:r>
+            <a:r>
+              <a:rPr lang="en-US" sz="2400" dirty="0"/>
+              <a:t> </a:t>
+            </a:r>
+            <a:r>
+              <a:rPr lang="en-US" sz="2400" dirty="0" err="1"/>
+              <a:t>Auswirkungen</a:t>
+            </a:r>
+            <a:r>
+              <a:rPr lang="en-US" sz="2400" dirty="0"/>
+              <a:t> hat die </a:t>
+            </a:r>
+            <a:r>
+              <a:rPr lang="en-US" sz="2400" dirty="0" err="1"/>
+              <a:t>Einführung</a:t>
+            </a:r>
+            <a:r>
+              <a:rPr lang="en-US" sz="2400" dirty="0"/>
+              <a:t> von </a:t>
+            </a:r>
+            <a:r>
+              <a:rPr lang="en-US" sz="2400" dirty="0" err="1"/>
+              <a:t>ShireEye</a:t>
+            </a:r>
+            <a:r>
+              <a:rPr lang="en-US" sz="2400" dirty="0"/>
+              <a:t> auf den </a:t>
+            </a:r>
+            <a:r>
+              <a:rPr lang="en-US" sz="2400" dirty="0" err="1"/>
+              <a:t>Absatz</a:t>
+            </a:r>
+            <a:r>
+              <a:rPr lang="en-US" sz="2400" dirty="0"/>
+              <a:t> der </a:t>
+            </a:r>
+            <a:r>
+              <a:rPr lang="en-US" sz="2400" dirty="0" err="1"/>
+              <a:t>Bankprodukte</a:t>
+            </a:r>
+            <a:r>
+              <a:rPr lang="en-US" sz="2400" dirty="0"/>
+              <a:t>?</a:t>
+            </a:r>
+          </a:p>
+          <a:p>
+            <a:endParaRPr lang="en-US" sz="2400" dirty="0"/>
+          </a:p>
+          <a:p>
+            <a:r>
+              <a:rPr lang="en-US" sz="2400" dirty="0" err="1"/>
+              <a:t>Welche</a:t>
+            </a:r>
+            <a:r>
+              <a:rPr lang="en-US" sz="2400" dirty="0"/>
+              <a:t> </a:t>
+            </a:r>
+            <a:r>
+              <a:rPr lang="en-US" sz="2400" dirty="0" err="1"/>
+              <a:t>Zweifel</a:t>
+            </a:r>
+            <a:r>
+              <a:rPr lang="en-US" sz="2400" dirty="0"/>
+              <a:t> </a:t>
+            </a:r>
+            <a:r>
+              <a:rPr lang="en-US" sz="2400" dirty="0" err="1"/>
+              <a:t>hegen</a:t>
+            </a:r>
+            <a:r>
+              <a:rPr lang="en-US" sz="2400" dirty="0"/>
+              <a:t> </a:t>
+            </a:r>
+            <a:r>
+              <a:rPr lang="en-US" sz="2400" dirty="0" err="1"/>
+              <a:t>Zielgruppen</a:t>
+            </a:r>
+            <a:r>
+              <a:rPr lang="en-US" sz="2400" dirty="0"/>
+              <a:t> und </a:t>
+            </a:r>
+            <a:r>
+              <a:rPr lang="en-US" sz="2400" dirty="0" err="1"/>
+              <a:t>wie</a:t>
+            </a:r>
+            <a:r>
+              <a:rPr lang="en-US" sz="2400" dirty="0"/>
+              <a:t> </a:t>
+            </a:r>
+            <a:r>
+              <a:rPr lang="en-US" sz="2400" dirty="0" err="1"/>
+              <a:t>räumt</a:t>
+            </a:r>
+            <a:r>
+              <a:rPr lang="en-US" sz="2400" dirty="0"/>
+              <a:t> man </a:t>
+            </a:r>
+            <a:r>
+              <a:rPr lang="en-US" sz="2400" dirty="0" err="1"/>
+              <a:t>diese</a:t>
+            </a:r>
+            <a:r>
+              <a:rPr lang="en-US" sz="2400" dirty="0"/>
+              <a:t> </a:t>
+            </a:r>
+            <a:r>
+              <a:rPr lang="en-US" sz="2400" dirty="0" err="1"/>
+              <a:t>aus</a:t>
+            </a:r>
+            <a:r>
+              <a:rPr lang="en-US" sz="2400" dirty="0"/>
+              <a:t>? </a:t>
             </a:r>
           </a:p>
         </p:txBody>

--- a/docs/slides/Final_Presentation_25_01.pptx
+++ b/docs/slides/Final_Presentation_25_01.pptx
@@ -6,7 +6,7 @@
     <p:sldMasterId id="2147483684" r:id="rId2"/>
   </p:sldMasterIdLst>
   <p:notesMasterIdLst>
-    <p:notesMasterId r:id="rId38"/>
+    <p:notesMasterId r:id="rId41"/>
   </p:notesMasterIdLst>
   <p:sldIdLst>
     <p:sldId id="273" r:id="rId3"/>
@@ -19,31 +19,34 @@
     <p:sldId id="295" r:id="rId10"/>
     <p:sldId id="296" r:id="rId11"/>
     <p:sldId id="268" r:id="rId12"/>
-    <p:sldId id="267" r:id="rId13"/>
-    <p:sldId id="258" r:id="rId14"/>
-    <p:sldId id="285" r:id="rId15"/>
-    <p:sldId id="301" r:id="rId16"/>
-    <p:sldId id="289" r:id="rId17"/>
-    <p:sldId id="284" r:id="rId18"/>
-    <p:sldId id="271" r:id="rId19"/>
-    <p:sldId id="298" r:id="rId20"/>
-    <p:sldId id="270" r:id="rId21"/>
-    <p:sldId id="266" r:id="rId22"/>
-    <p:sldId id="265" r:id="rId23"/>
-    <p:sldId id="279" r:id="rId24"/>
-    <p:sldId id="278" r:id="rId25"/>
-    <p:sldId id="280" r:id="rId26"/>
-    <p:sldId id="263" r:id="rId27"/>
-    <p:sldId id="262" r:id="rId28"/>
-    <p:sldId id="261" r:id="rId29"/>
-    <p:sldId id="297" r:id="rId30"/>
-    <p:sldId id="299" r:id="rId31"/>
-    <p:sldId id="300" r:id="rId32"/>
-    <p:sldId id="276" r:id="rId33"/>
-    <p:sldId id="277" r:id="rId34"/>
-    <p:sldId id="274" r:id="rId35"/>
-    <p:sldId id="275" r:id="rId36"/>
-    <p:sldId id="257" r:id="rId37"/>
+    <p:sldId id="302" r:id="rId13"/>
+    <p:sldId id="303" r:id="rId14"/>
+    <p:sldId id="304" r:id="rId15"/>
+    <p:sldId id="267" r:id="rId16"/>
+    <p:sldId id="258" r:id="rId17"/>
+    <p:sldId id="285" r:id="rId18"/>
+    <p:sldId id="301" r:id="rId19"/>
+    <p:sldId id="289" r:id="rId20"/>
+    <p:sldId id="284" r:id="rId21"/>
+    <p:sldId id="271" r:id="rId22"/>
+    <p:sldId id="298" r:id="rId23"/>
+    <p:sldId id="270" r:id="rId24"/>
+    <p:sldId id="266" r:id="rId25"/>
+    <p:sldId id="265" r:id="rId26"/>
+    <p:sldId id="279" r:id="rId27"/>
+    <p:sldId id="278" r:id="rId28"/>
+    <p:sldId id="280" r:id="rId29"/>
+    <p:sldId id="263" r:id="rId30"/>
+    <p:sldId id="262" r:id="rId31"/>
+    <p:sldId id="261" r:id="rId32"/>
+    <p:sldId id="297" r:id="rId33"/>
+    <p:sldId id="299" r:id="rId34"/>
+    <p:sldId id="300" r:id="rId35"/>
+    <p:sldId id="276" r:id="rId36"/>
+    <p:sldId id="277" r:id="rId37"/>
+    <p:sldId id="274" r:id="rId38"/>
+    <p:sldId id="275" r:id="rId39"/>
+    <p:sldId id="257" r:id="rId40"/>
   </p:sldIdLst>
   <p:sldSz cx="12192000" cy="6858000"/>
   <p:notesSz cx="6858000" cy="9144000"/>
@@ -161,6 +164,9 @@
             <p14:sldId id="295"/>
             <p14:sldId id="296"/>
             <p14:sldId id="268"/>
+            <p14:sldId id="302"/>
+            <p14:sldId id="303"/>
+            <p14:sldId id="304"/>
             <p14:sldId id="267"/>
             <p14:sldId id="258"/>
             <p14:sldId id="285"/>
@@ -212,10 +218,121 @@
 <file path=ppt/revisionInfo.xml><?xml version="1.0" encoding="utf-8"?>
 <p1510:revInfo xmlns:a="http://schemas.openxmlformats.org/drawingml/2006/main" xmlns:r="http://schemas.openxmlformats.org/officeDocument/2006/relationships" xmlns:p1510="http://schemas.microsoft.com/office/powerpoint/2015/10/main">
   <p1510:revLst>
-    <p1510:client id="{0C095239-2BD0-40BD-80CC-A1A891FA3D5B}" v="28" dt="2022-01-13T13:30:47.508"/>
-    <p1510:client id="{CCCBB187-0E61-C6AA-9886-43DCFFB03344}" v="4" dt="2022-01-13T13:32:20.966"/>
+    <p1510:client id="{B77F82E3-1CB1-4540-A98E-48F43D13CCBE}" v="3" dt="2022-01-24T16:49:36.956"/>
   </p1510:revLst>
 </p1510:revInfo>
+</file>
+
+<file path=ppt/changesInfos/changesInfo1.xml><?xml version="1.0" encoding="utf-8"?>
+<pc:chgInfo xmlns:a="http://schemas.openxmlformats.org/drawingml/2006/main" xmlns:r="http://schemas.openxmlformats.org/officeDocument/2006/relationships" xmlns:ac="http://schemas.microsoft.com/office/drawing/2013/main/command" xmlns:pc="http://schemas.microsoft.com/office/powerpoint/2013/main/command">
+  <pc:docChgLst>
+    <pc:chgData name="Lugeder, Jana" userId="2470d98d-a60a-4e02-a7da-719fc5e6d524" providerId="ADAL" clId="{B77F82E3-1CB1-4540-A98E-48F43D13CCBE}"/>
+    <pc:docChg chg="custSel addSld modSld modSection">
+      <pc:chgData name="Lugeder, Jana" userId="2470d98d-a60a-4e02-a7da-719fc5e6d524" providerId="ADAL" clId="{B77F82E3-1CB1-4540-A98E-48F43D13CCBE}" dt="2022-01-24T16:57:45.731" v="331" actId="20577"/>
+      <pc:docMkLst>
+        <pc:docMk/>
+      </pc:docMkLst>
+      <pc:sldChg chg="modSp mod modNotesTx">
+        <pc:chgData name="Lugeder, Jana" userId="2470d98d-a60a-4e02-a7da-719fc5e6d524" providerId="ADAL" clId="{B77F82E3-1CB1-4540-A98E-48F43D13CCBE}" dt="2022-01-24T16:50:06.221" v="130" actId="20577"/>
+        <pc:sldMkLst>
+          <pc:docMk/>
+          <pc:sldMk cId="3340167044" sldId="268"/>
+        </pc:sldMkLst>
+        <pc:spChg chg="mod">
+          <ac:chgData name="Lugeder, Jana" userId="2470d98d-a60a-4e02-a7da-719fc5e6d524" providerId="ADAL" clId="{B77F82E3-1CB1-4540-A98E-48F43D13CCBE}" dt="2022-01-24T16:48:51.209" v="123" actId="11"/>
+          <ac:spMkLst>
+            <pc:docMk/>
+            <pc:sldMk cId="3340167044" sldId="268"/>
+            <ac:spMk id="4" creationId="{4DB4907B-283F-4CC4-95C1-151FDAFBE65F}"/>
+          </ac:spMkLst>
+        </pc:spChg>
+      </pc:sldChg>
+      <pc:sldChg chg="modSp">
+        <pc:chgData name="Lugeder, Jana" userId="2470d98d-a60a-4e02-a7da-719fc5e6d524" providerId="ADAL" clId="{B77F82E3-1CB1-4540-A98E-48F43D13CCBE}" dt="2022-01-24T16:49:36.956" v="128"/>
+        <pc:sldMkLst>
+          <pc:docMk/>
+          <pc:sldMk cId="3391363111" sldId="270"/>
+        </pc:sldMkLst>
+        <pc:graphicFrameChg chg="mod">
+          <ac:chgData name="Lugeder, Jana" userId="2470d98d-a60a-4e02-a7da-719fc5e6d524" providerId="ADAL" clId="{B77F82E3-1CB1-4540-A98E-48F43D13CCBE}" dt="2022-01-24T16:49:36.956" v="128"/>
+          <ac:graphicFrameMkLst>
+            <pc:docMk/>
+            <pc:sldMk cId="3391363111" sldId="270"/>
+            <ac:graphicFrameMk id="8" creationId="{34EC2613-A27A-4B4F-9AED-DA245469779B}"/>
+          </ac:graphicFrameMkLst>
+        </pc:graphicFrameChg>
+      </pc:sldChg>
+      <pc:sldChg chg="modSp">
+        <pc:chgData name="Lugeder, Jana" userId="2470d98d-a60a-4e02-a7da-719fc5e6d524" providerId="ADAL" clId="{B77F82E3-1CB1-4540-A98E-48F43D13CCBE}" dt="2022-01-24T16:49:25.430" v="127"/>
+        <pc:sldMkLst>
+          <pc:docMk/>
+          <pc:sldMk cId="29122778" sldId="298"/>
+        </pc:sldMkLst>
+        <pc:graphicFrameChg chg="mod">
+          <ac:chgData name="Lugeder, Jana" userId="2470d98d-a60a-4e02-a7da-719fc5e6d524" providerId="ADAL" clId="{B77F82E3-1CB1-4540-A98E-48F43D13CCBE}" dt="2022-01-24T16:49:25.430" v="127"/>
+          <ac:graphicFrameMkLst>
+            <pc:docMk/>
+            <pc:sldMk cId="29122778" sldId="298"/>
+            <ac:graphicFrameMk id="8" creationId="{34EC2613-A27A-4B4F-9AED-DA245469779B}"/>
+          </ac:graphicFrameMkLst>
+        </pc:graphicFrameChg>
+      </pc:sldChg>
+      <pc:sldChg chg="modSp new mod">
+        <pc:chgData name="Lugeder, Jana" userId="2470d98d-a60a-4e02-a7da-719fc5e6d524" providerId="ADAL" clId="{B77F82E3-1CB1-4540-A98E-48F43D13CCBE}" dt="2022-01-24T16:57:45.731" v="331" actId="20577"/>
+        <pc:sldMkLst>
+          <pc:docMk/>
+          <pc:sldMk cId="1394468853" sldId="302"/>
+        </pc:sldMkLst>
+        <pc:spChg chg="mod">
+          <ac:chgData name="Lugeder, Jana" userId="2470d98d-a60a-4e02-a7da-719fc5e6d524" providerId="ADAL" clId="{B77F82E3-1CB1-4540-A98E-48F43D13CCBE}" dt="2022-01-24T16:45:59.215" v="26" actId="20577"/>
+          <ac:spMkLst>
+            <pc:docMk/>
+            <pc:sldMk cId="1394468853" sldId="302"/>
+            <ac:spMk id="2" creationId="{872E3418-F7C2-4C81-B9AD-F8CB2FAF8927}"/>
+          </ac:spMkLst>
+        </pc:spChg>
+        <pc:spChg chg="mod">
+          <ac:chgData name="Lugeder, Jana" userId="2470d98d-a60a-4e02-a7da-719fc5e6d524" providerId="ADAL" clId="{B77F82E3-1CB1-4540-A98E-48F43D13CCBE}" dt="2022-01-24T16:57:45.731" v="331" actId="20577"/>
+          <ac:spMkLst>
+            <pc:docMk/>
+            <pc:sldMk cId="1394468853" sldId="302"/>
+            <ac:spMk id="3" creationId="{E4D60D4B-B6C8-49A8-927A-EA8A93A083CD}"/>
+          </ac:spMkLst>
+        </pc:spChg>
+      </pc:sldChg>
+      <pc:sldChg chg="modSp add mod">
+        <pc:chgData name="Lugeder, Jana" userId="2470d98d-a60a-4e02-a7da-719fc5e6d524" providerId="ADAL" clId="{B77F82E3-1CB1-4540-A98E-48F43D13CCBE}" dt="2022-01-24T16:48:03.074" v="58" actId="20577"/>
+        <pc:sldMkLst>
+          <pc:docMk/>
+          <pc:sldMk cId="852235112" sldId="303"/>
+        </pc:sldMkLst>
+        <pc:spChg chg="mod">
+          <ac:chgData name="Lugeder, Jana" userId="2470d98d-a60a-4e02-a7da-719fc5e6d524" providerId="ADAL" clId="{B77F82E3-1CB1-4540-A98E-48F43D13CCBE}" dt="2022-01-24T16:48:03.074" v="58" actId="20577"/>
+          <ac:spMkLst>
+            <pc:docMk/>
+            <pc:sldMk cId="852235112" sldId="303"/>
+            <ac:spMk id="3" creationId="{E4D60D4B-B6C8-49A8-927A-EA8A93A083CD}"/>
+          </ac:spMkLst>
+        </pc:spChg>
+      </pc:sldChg>
+      <pc:sldChg chg="modSp add mod">
+        <pc:chgData name="Lugeder, Jana" userId="2470d98d-a60a-4e02-a7da-719fc5e6d524" providerId="ADAL" clId="{B77F82E3-1CB1-4540-A98E-48F43D13CCBE}" dt="2022-01-24T16:48:07.154" v="59" actId="20577"/>
+        <pc:sldMkLst>
+          <pc:docMk/>
+          <pc:sldMk cId="205323845" sldId="304"/>
+        </pc:sldMkLst>
+        <pc:spChg chg="mod">
+          <ac:chgData name="Lugeder, Jana" userId="2470d98d-a60a-4e02-a7da-719fc5e6d524" providerId="ADAL" clId="{B77F82E3-1CB1-4540-A98E-48F43D13CCBE}" dt="2022-01-24T16:48:07.154" v="59" actId="20577"/>
+          <ac:spMkLst>
+            <pc:docMk/>
+            <pc:sldMk cId="205323845" sldId="304"/>
+            <ac:spMk id="3" creationId="{E4D60D4B-B6C8-49A8-927A-EA8A93A083CD}"/>
+          </ac:spMkLst>
+        </pc:spChg>
+      </pc:sldChg>
+    </pc:docChg>
+  </pc:docChgLst>
+</pc:chgInfo>
 </file>
 
 <file path=ppt/notesMasters/notesMaster1.xml><?xml version="1.0" encoding="utf-8"?>
@@ -871,7 +988,7 @@
           <a:p>
             <a:fld id="{D9E8CA95-5B62-45AF-95E6-3D47B8C862DE}" type="slidenum">
               <a:rPr lang="en-US" smtClean="0"/>
-              <a:t>14</a:t>
+              <a:t>17</a:t>
             </a:fld>
             <a:endParaRPr lang="en-US"/>
           </a:p>
@@ -959,7 +1076,7 @@
           <a:p>
             <a:fld id="{D9E8CA95-5B62-45AF-95E6-3D47B8C862DE}" type="slidenum">
               <a:rPr lang="en-US" smtClean="0"/>
-              <a:t>15</a:t>
+              <a:t>18</a:t>
             </a:fld>
             <a:endParaRPr lang="en-US"/>
           </a:p>
@@ -1047,7 +1164,7 @@
           <a:p>
             <a:fld id="{D9E8CA95-5B62-45AF-95E6-3D47B8C862DE}" type="slidenum">
               <a:rPr lang="en-US" smtClean="0"/>
-              <a:t>16</a:t>
+              <a:t>19</a:t>
             </a:fld>
             <a:endParaRPr lang="en-US"/>
           </a:p>
@@ -1218,7 +1335,7 @@
           <a:p>
             <a:fld id="{D9E8CA95-5B62-45AF-95E6-3D47B8C862DE}" type="slidenum">
               <a:rPr lang="en-US" smtClean="0"/>
-              <a:t>17</a:t>
+              <a:t>20</a:t>
             </a:fld>
             <a:endParaRPr lang="en-US"/>
           </a:p>
@@ -1306,7 +1423,7 @@
           <a:p>
             <a:fld id="{D9E8CA95-5B62-45AF-95E6-3D47B8C862DE}" type="slidenum">
               <a:rPr lang="en-US" smtClean="0"/>
-              <a:t>18</a:t>
+              <a:t>21</a:t>
             </a:fld>
             <a:endParaRPr lang="en-US"/>
           </a:p>
@@ -1394,7 +1511,7 @@
           <a:p>
             <a:fld id="{D9E8CA95-5B62-45AF-95E6-3D47B8C862DE}" type="slidenum">
               <a:rPr lang="en-US" smtClean="0"/>
-              <a:t>19</a:t>
+              <a:t>22</a:t>
             </a:fld>
             <a:endParaRPr lang="en-US"/>
           </a:p>
@@ -1482,7 +1599,7 @@
           <a:p>
             <a:fld id="{D9E8CA95-5B62-45AF-95E6-3D47B8C862DE}" type="slidenum">
               <a:rPr lang="en-US" smtClean="0"/>
-              <a:t>20</a:t>
+              <a:t>23</a:t>
             </a:fld>
             <a:endParaRPr lang="en-US"/>
           </a:p>
@@ -1570,7 +1687,7 @@
           <a:p>
             <a:fld id="{D9E8CA95-5B62-45AF-95E6-3D47B8C862DE}" type="slidenum">
               <a:rPr lang="en-US" smtClean="0"/>
-              <a:t>21</a:t>
+              <a:t>24</a:t>
             </a:fld>
             <a:endParaRPr lang="en-US"/>
           </a:p>
@@ -1709,7 +1826,7 @@
           <a:p>
             <a:fld id="{63365379-8475-4733-A0A3-9B5BF670FE36}" type="slidenum">
               <a:rPr lang="en-DE" smtClean="0"/>
-              <a:t>22</a:t>
+              <a:t>25</a:t>
             </a:fld>
             <a:endParaRPr lang="en-DE"/>
           </a:p>
@@ -1826,7 +1943,7 @@
           <a:p>
             <a:fld id="{D9E8CA95-5B62-45AF-95E6-3D47B8C862DE}" type="slidenum">
               <a:rPr lang="en-US" smtClean="0"/>
-              <a:t>23</a:t>
+              <a:t>26</a:t>
             </a:fld>
             <a:endParaRPr lang="en-US"/>
           </a:p>
@@ -2002,7 +2119,7 @@
           <a:p>
             <a:fld id="{D9E8CA95-5B62-45AF-95E6-3D47B8C862DE}" type="slidenum">
               <a:rPr lang="en-US" smtClean="0"/>
-              <a:t>24</a:t>
+              <a:t>27</a:t>
             </a:fld>
             <a:endParaRPr lang="en-US"/>
           </a:p>
@@ -2090,7 +2207,7 @@
           <a:p>
             <a:fld id="{D9E8CA95-5B62-45AF-95E6-3D47B8C862DE}" type="slidenum">
               <a:rPr lang="en-US" smtClean="0"/>
-              <a:t>25</a:t>
+              <a:t>28</a:t>
             </a:fld>
             <a:endParaRPr lang="en-US"/>
           </a:p>
@@ -2178,7 +2295,7 @@
           <a:p>
             <a:fld id="{D9E8CA95-5B62-45AF-95E6-3D47B8C862DE}" type="slidenum">
               <a:rPr lang="en-US" smtClean="0"/>
-              <a:t>26</a:t>
+              <a:t>29</a:t>
             </a:fld>
             <a:endParaRPr lang="en-US"/>
           </a:p>
@@ -2266,7 +2383,7 @@
           <a:p>
             <a:fld id="{D9E8CA95-5B62-45AF-95E6-3D47B8C862DE}" type="slidenum">
               <a:rPr lang="en-US" smtClean="0"/>
-              <a:t>27</a:t>
+              <a:t>30</a:t>
             </a:fld>
             <a:endParaRPr lang="en-US"/>
           </a:p>
@@ -2360,7 +2477,7 @@
           <a:p>
             <a:fld id="{D9E8CA95-5B62-45AF-95E6-3D47B8C862DE}" type="slidenum">
               <a:rPr lang="en-US" smtClean="0"/>
-              <a:t>28</a:t>
+              <a:t>31</a:t>
             </a:fld>
             <a:endParaRPr lang="en-US"/>
           </a:p>
@@ -2448,7 +2565,7 @@
           <a:p>
             <a:fld id="{D9E8CA95-5B62-45AF-95E6-3D47B8C862DE}" type="slidenum">
               <a:rPr lang="en-US" smtClean="0"/>
-              <a:t>29</a:t>
+              <a:t>32</a:t>
             </a:fld>
             <a:endParaRPr lang="en-US"/>
           </a:p>
@@ -2536,7 +2653,7 @@
           <a:p>
             <a:fld id="{D9E8CA95-5B62-45AF-95E6-3D47B8C862DE}" type="slidenum">
               <a:rPr lang="en-US" smtClean="0"/>
-              <a:t>30</a:t>
+              <a:t>33</a:t>
             </a:fld>
             <a:endParaRPr lang="en-US"/>
           </a:p>
@@ -2624,7 +2741,7 @@
           <a:p>
             <a:fld id="{63365379-8475-4733-A0A3-9B5BF670FE36}" type="slidenum">
               <a:rPr lang="en-DE" smtClean="0"/>
-              <a:t>31</a:t>
+              <a:t>34</a:t>
             </a:fld>
             <a:endParaRPr lang="en-DE"/>
           </a:p>
@@ -2712,7 +2829,7 @@
           <a:p>
             <a:fld id="{63365379-8475-4733-A0A3-9B5BF670FE36}" type="slidenum">
               <a:rPr lang="en-DE" smtClean="0"/>
-              <a:t>32</a:t>
+              <a:t>35</a:t>
             </a:fld>
             <a:endParaRPr lang="en-DE"/>
           </a:p>
@@ -2800,7 +2917,7 @@
           <a:p>
             <a:fld id="{63365379-8475-4733-A0A3-9B5BF670FE36}" type="slidenum">
               <a:rPr lang="en-DE" smtClean="0"/>
-              <a:t>33</a:t>
+              <a:t>36</a:t>
             </a:fld>
             <a:endParaRPr lang="en-DE"/>
           </a:p>
@@ -2996,7 +3113,7 @@
           <a:p>
             <a:fld id="{63365379-8475-4733-A0A3-9B5BF670FE36}" type="slidenum">
               <a:rPr lang="en-DE" smtClean="0"/>
-              <a:t>34</a:t>
+              <a:t>37</a:t>
             </a:fld>
             <a:endParaRPr lang="en-DE"/>
           </a:p>
@@ -3255,15 +3372,6 @@
           <a:p>
             <a:r>
               <a:rPr lang="de-DE"/>
-              <a:t>Auf 3 Slides aufteilen mit Stichpunkten als Antwort</a:t>
-            </a:r>
-          </a:p>
-          <a:p>
-            <a:endParaRPr lang="de-DE"/>
-          </a:p>
-          <a:p>
-            <a:r>
-              <a:rPr lang="de-DE"/>
               <a:t>!! Aus Banksicht! </a:t>
             </a:r>
             <a:endParaRPr lang="en-DE"/>
@@ -3375,7 +3483,7 @@
           <a:p>
             <a:fld id="{D9E8CA95-5B62-45AF-95E6-3D47B8C862DE}" type="slidenum">
               <a:rPr lang="en-US" smtClean="0"/>
-              <a:t>11</a:t>
+              <a:t>14</a:t>
             </a:fld>
             <a:endParaRPr lang="en-US"/>
           </a:p>
@@ -3469,7 +3577,7 @@
           <a:p>
             <a:fld id="{D9E8CA95-5B62-45AF-95E6-3D47B8C862DE}" type="slidenum">
               <a:rPr lang="en-US" smtClean="0"/>
-              <a:t>12</a:t>
+              <a:t>15</a:t>
             </a:fld>
             <a:endParaRPr lang="en-US"/>
           </a:p>
@@ -3604,7 +3712,7 @@
           <a:p>
             <a:fld id="{D9E8CA95-5B62-45AF-95E6-3D47B8C862DE}" type="slidenum">
               <a:rPr lang="en-US" smtClean="0"/>
-              <a:t>13</a:t>
+              <a:t>16</a:t>
             </a:fld>
             <a:endParaRPr lang="en-US"/>
           </a:p>
@@ -9895,6 +10003,10 @@
             </a:r>
           </a:p>
           <a:p>
+            <a:pPr marL="457200" indent="-457200">
+              <a:buFont typeface="+mj-lt"/>
+              <a:buAutoNum type="arabicParenR"/>
+            </a:pPr>
             <a:r>
               <a:rPr lang="en-US" sz="2400" dirty="0"/>
               <a:t>Wie </a:t>
@@ -9957,9 +10069,17 @@
             </a:r>
           </a:p>
           <a:p>
+            <a:pPr marL="457200" indent="-457200">
+              <a:buFont typeface="+mj-lt"/>
+              <a:buAutoNum type="arabicParenR"/>
+            </a:pPr>
             <a:endParaRPr lang="en-US" sz="2400" dirty="0"/>
           </a:p>
           <a:p>
+            <a:pPr marL="457200" indent="-457200">
+              <a:buFont typeface="+mj-lt"/>
+              <a:buAutoNum type="arabicParenR"/>
+            </a:pPr>
             <a:r>
               <a:rPr lang="en-US" sz="2400" dirty="0"/>
               <a:t>Was </a:t>
@@ -10014,9 +10134,17 @@
             </a:r>
           </a:p>
           <a:p>
+            <a:pPr marL="457200" indent="-457200">
+              <a:buFont typeface="+mj-lt"/>
+              <a:buAutoNum type="arabicParenR"/>
+            </a:pPr>
             <a:endParaRPr lang="en-US" sz="2400" dirty="0"/>
           </a:p>
           <a:p>
+            <a:pPr marL="457200" indent="-457200">
+              <a:buFont typeface="+mj-lt"/>
+              <a:buAutoNum type="arabicParenR"/>
+            </a:pPr>
             <a:r>
               <a:rPr lang="en-US" sz="2400" dirty="0" err="1"/>
               <a:t>Welche</a:t>
@@ -10156,6 +10284,577 @@
 </file>
 
 <file path=ppt/slides/slide11.xml><?xml version="1.0" encoding="utf-8"?>
+<p:sld xmlns:a="http://schemas.openxmlformats.org/drawingml/2006/main" xmlns:r="http://schemas.openxmlformats.org/officeDocument/2006/relationships" xmlns:p="http://schemas.openxmlformats.org/presentationml/2006/main">
+  <p:cSld>
+    <p:spTree>
+      <p:nvGrpSpPr>
+        <p:cNvPr id="1" name=""/>
+        <p:cNvGrpSpPr/>
+        <p:nvPr/>
+      </p:nvGrpSpPr>
+      <p:grpSpPr>
+        <a:xfrm>
+          <a:off x="0" y="0"/>
+          <a:ext cx="0" cy="0"/>
+          <a:chOff x="0" y="0"/>
+          <a:chExt cx="0" cy="0"/>
+        </a:xfrm>
+      </p:grpSpPr>
+      <p:sp>
+        <p:nvSpPr>
+          <p:cNvPr id="2" name="Title 1">
+            <a:extLst>
+              <a:ext uri="{FF2B5EF4-FFF2-40B4-BE49-F238E27FC236}">
+                <a16:creationId xmlns:a16="http://schemas.microsoft.com/office/drawing/2014/main" id="{872E3418-F7C2-4C81-B9AD-F8CB2FAF8927}"/>
+              </a:ext>
+            </a:extLst>
+          </p:cNvPr>
+          <p:cNvSpPr>
+            <a:spLocks noGrp="1"/>
+          </p:cNvSpPr>
+          <p:nvPr>
+            <p:ph type="title"/>
+          </p:nvPr>
+        </p:nvSpPr>
+        <p:spPr/>
+        <p:txBody>
+          <a:bodyPr/>
+          <a:lstStyle/>
+          <a:p>
+            <a:r>
+              <a:rPr lang="de-DE"/>
+              <a:t>Auswirkungen auf Marketing</a:t>
+            </a:r>
+            <a:endParaRPr lang="en-DE"/>
+          </a:p>
+        </p:txBody>
+      </p:sp>
+      <p:sp>
+        <p:nvSpPr>
+          <p:cNvPr id="3" name="Content Placeholder 2">
+            <a:extLst>
+              <a:ext uri="{FF2B5EF4-FFF2-40B4-BE49-F238E27FC236}">
+                <a16:creationId xmlns:a16="http://schemas.microsoft.com/office/drawing/2014/main" id="{E4D60D4B-B6C8-49A8-927A-EA8A93A083CD}"/>
+              </a:ext>
+            </a:extLst>
+          </p:cNvPr>
+          <p:cNvSpPr>
+            <a:spLocks noGrp="1"/>
+          </p:cNvSpPr>
+          <p:nvPr>
+            <p:ph idx="1"/>
+          </p:nvPr>
+        </p:nvSpPr>
+        <p:spPr/>
+        <p:txBody>
+          <a:bodyPr/>
+          <a:lstStyle/>
+          <a:p>
+            <a:pPr marL="0" indent="0">
+              <a:buNone/>
+            </a:pPr>
+            <a:r>
+              <a:rPr lang="en-US" sz="2800" b="1"/>
+              <a:t>1) Wie lässt sich ShireEye erfolgreich als Kaufargument vermarkten?</a:t>
+            </a:r>
+          </a:p>
+          <a:p>
+            <a:endParaRPr lang="de-DE" sz="2400"/>
+          </a:p>
+          <a:p>
+            <a:r>
+              <a:rPr lang="de-DE" sz="2400"/>
+              <a:t>Moderne Vermarktungslösung</a:t>
+            </a:r>
+          </a:p>
+          <a:p>
+            <a:r>
+              <a:rPr lang="de-DE" sz="2400"/>
+              <a:t>Technische Neugierde wird gereizt</a:t>
+            </a:r>
+          </a:p>
+          <a:p>
+            <a:r>
+              <a:rPr lang="de-DE" sz="2400"/>
+              <a:t>Vorsichtige Kunden berücksichtigen</a:t>
+            </a:r>
+          </a:p>
+          <a:p>
+            <a:pPr marL="0" indent="0">
+              <a:buNone/>
+            </a:pPr>
+            <a:endParaRPr lang="de-DE" sz="2400"/>
+          </a:p>
+          <a:p>
+            <a:pPr marL="0" indent="0">
+              <a:buNone/>
+            </a:pPr>
+            <a:r>
+              <a:rPr lang="de-DE" sz="2400">
+                <a:sym typeface="Wingdings" panose="05000000000000000000" pitchFamily="2" charset="2"/>
+              </a:rPr>
+              <a:t> Neue Kommunikationsmöglichkeit</a:t>
+            </a:r>
+            <a:endParaRPr lang="en-DE" sz="2400"/>
+          </a:p>
+        </p:txBody>
+      </p:sp>
+      <p:sp>
+        <p:nvSpPr>
+          <p:cNvPr id="4" name="Date Placeholder 3">
+            <a:extLst>
+              <a:ext uri="{FF2B5EF4-FFF2-40B4-BE49-F238E27FC236}">
+                <a16:creationId xmlns:a16="http://schemas.microsoft.com/office/drawing/2014/main" id="{BB145475-0659-4DB1-8F96-C00F32C87324}"/>
+              </a:ext>
+            </a:extLst>
+          </p:cNvPr>
+          <p:cNvSpPr>
+            <a:spLocks noGrp="1"/>
+          </p:cNvSpPr>
+          <p:nvPr>
+            <p:ph type="dt" sz="half" idx="10"/>
+          </p:nvPr>
+        </p:nvSpPr>
+        <p:spPr/>
+        <p:txBody>
+          <a:bodyPr/>
+          <a:lstStyle/>
+          <a:p>
+            <a:r>
+              <a:rPr lang="en-DE"/>
+              <a:t>&lt;/&gt; | ShireTec</a:t>
+            </a:r>
+          </a:p>
+        </p:txBody>
+      </p:sp>
+      <p:sp>
+        <p:nvSpPr>
+          <p:cNvPr id="5" name="Slide Number Placeholder 4">
+            <a:extLst>
+              <a:ext uri="{FF2B5EF4-FFF2-40B4-BE49-F238E27FC236}">
+                <a16:creationId xmlns:a16="http://schemas.microsoft.com/office/drawing/2014/main" id="{92256BBF-F222-4ADA-9897-F89B65DC586B}"/>
+              </a:ext>
+            </a:extLst>
+          </p:cNvPr>
+          <p:cNvSpPr>
+            <a:spLocks noGrp="1"/>
+          </p:cNvSpPr>
+          <p:nvPr>
+            <p:ph type="sldNum" sz="quarter" idx="12"/>
+          </p:nvPr>
+        </p:nvSpPr>
+        <p:spPr/>
+        <p:txBody>
+          <a:bodyPr/>
+          <a:lstStyle/>
+          <a:p>
+            <a:fld id="{330EA680-D336-4FF7-8B7A-9848BB0A1C32}" type="slidenum">
+              <a:rPr lang="en-US" smtClean="0"/>
+              <a:pPr/>
+              <a:t>11</a:t>
+            </a:fld>
+            <a:endParaRPr lang="en-DE"/>
+          </a:p>
+        </p:txBody>
+      </p:sp>
+    </p:spTree>
+    <p:extLst>
+      <p:ext uri="{BB962C8B-B14F-4D97-AF65-F5344CB8AC3E}">
+        <p14:creationId xmlns:p14="http://schemas.microsoft.com/office/powerpoint/2010/main" val="1394468853"/>
+      </p:ext>
+    </p:extLst>
+  </p:cSld>
+  <p:clrMapOvr>
+    <a:masterClrMapping/>
+  </p:clrMapOvr>
+</p:sld>
+</file>
+
+<file path=ppt/slides/slide12.xml><?xml version="1.0" encoding="utf-8"?>
+<p:sld xmlns:a="http://schemas.openxmlformats.org/drawingml/2006/main" xmlns:r="http://schemas.openxmlformats.org/officeDocument/2006/relationships" xmlns:p="http://schemas.openxmlformats.org/presentationml/2006/main">
+  <p:cSld>
+    <p:spTree>
+      <p:nvGrpSpPr>
+        <p:cNvPr id="1" name=""/>
+        <p:cNvGrpSpPr/>
+        <p:nvPr/>
+      </p:nvGrpSpPr>
+      <p:grpSpPr>
+        <a:xfrm>
+          <a:off x="0" y="0"/>
+          <a:ext cx="0" cy="0"/>
+          <a:chOff x="0" y="0"/>
+          <a:chExt cx="0" cy="0"/>
+        </a:xfrm>
+      </p:grpSpPr>
+      <p:sp>
+        <p:nvSpPr>
+          <p:cNvPr id="2" name="Title 1">
+            <a:extLst>
+              <a:ext uri="{FF2B5EF4-FFF2-40B4-BE49-F238E27FC236}">
+                <a16:creationId xmlns:a16="http://schemas.microsoft.com/office/drawing/2014/main" id="{872E3418-F7C2-4C81-B9AD-F8CB2FAF8927}"/>
+              </a:ext>
+            </a:extLst>
+          </p:cNvPr>
+          <p:cNvSpPr>
+            <a:spLocks noGrp="1"/>
+          </p:cNvSpPr>
+          <p:nvPr>
+            <p:ph type="title"/>
+          </p:nvPr>
+        </p:nvSpPr>
+        <p:spPr/>
+        <p:txBody>
+          <a:bodyPr/>
+          <a:lstStyle/>
+          <a:p>
+            <a:r>
+              <a:rPr lang="de-DE"/>
+              <a:t>Auswirkungen auf Marketing</a:t>
+            </a:r>
+            <a:endParaRPr lang="en-DE"/>
+          </a:p>
+        </p:txBody>
+      </p:sp>
+      <p:sp>
+        <p:nvSpPr>
+          <p:cNvPr id="3" name="Content Placeholder 2">
+            <a:extLst>
+              <a:ext uri="{FF2B5EF4-FFF2-40B4-BE49-F238E27FC236}">
+                <a16:creationId xmlns:a16="http://schemas.microsoft.com/office/drawing/2014/main" id="{E4D60D4B-B6C8-49A8-927A-EA8A93A083CD}"/>
+              </a:ext>
+            </a:extLst>
+          </p:cNvPr>
+          <p:cNvSpPr>
+            <a:spLocks noGrp="1"/>
+          </p:cNvSpPr>
+          <p:nvPr>
+            <p:ph idx="1"/>
+          </p:nvPr>
+        </p:nvSpPr>
+        <p:spPr/>
+        <p:txBody>
+          <a:bodyPr/>
+          <a:lstStyle/>
+          <a:p>
+            <a:pPr marL="0" indent="0">
+              <a:buNone/>
+            </a:pPr>
+            <a:r>
+              <a:rPr lang="en-US" sz="2800" b="1"/>
+              <a:t>2) Was für Auswirkungen hat die Einführung von ShireEye auf den Absatz der Bankprodukte?</a:t>
+            </a:r>
+          </a:p>
+          <a:p>
+            <a:endParaRPr lang="de-DE" sz="2400"/>
+          </a:p>
+          <a:p>
+            <a:r>
+              <a:rPr lang="de-DE" sz="2400"/>
+              <a:t>Simple Bedienung </a:t>
+            </a:r>
+          </a:p>
+          <a:p>
+            <a:r>
+              <a:rPr lang="de-DE" sz="2400"/>
+              <a:t>Hohe technische Affinität bei Zielgruppen</a:t>
+            </a:r>
+          </a:p>
+          <a:p>
+            <a:r>
+              <a:rPr lang="de-DE" sz="2400"/>
+              <a:t>Intensität der Werbung wird erhöht</a:t>
+            </a:r>
+          </a:p>
+          <a:p>
+            <a:pPr marL="0" indent="0">
+              <a:buNone/>
+            </a:pPr>
+            <a:endParaRPr lang="de-DE" sz="2400">
+              <a:sym typeface="Wingdings" panose="05000000000000000000" pitchFamily="2" charset="2"/>
+            </a:endParaRPr>
+          </a:p>
+          <a:p>
+            <a:pPr marL="0" indent="0">
+              <a:buNone/>
+            </a:pPr>
+            <a:r>
+              <a:rPr lang="de-DE" sz="2400">
+                <a:sym typeface="Wingdings" panose="05000000000000000000" pitchFamily="2" charset="2"/>
+              </a:rPr>
+              <a:t> Steigerung des Absatzes wird erwartet</a:t>
+            </a:r>
+            <a:endParaRPr lang="de-DE" sz="2400"/>
+          </a:p>
+          <a:p>
+            <a:endParaRPr lang="en-DE" sz="2400"/>
+          </a:p>
+        </p:txBody>
+      </p:sp>
+      <p:sp>
+        <p:nvSpPr>
+          <p:cNvPr id="4" name="Date Placeholder 3">
+            <a:extLst>
+              <a:ext uri="{FF2B5EF4-FFF2-40B4-BE49-F238E27FC236}">
+                <a16:creationId xmlns:a16="http://schemas.microsoft.com/office/drawing/2014/main" id="{BB145475-0659-4DB1-8F96-C00F32C87324}"/>
+              </a:ext>
+            </a:extLst>
+          </p:cNvPr>
+          <p:cNvSpPr>
+            <a:spLocks noGrp="1"/>
+          </p:cNvSpPr>
+          <p:nvPr>
+            <p:ph type="dt" sz="half" idx="10"/>
+          </p:nvPr>
+        </p:nvSpPr>
+        <p:spPr/>
+        <p:txBody>
+          <a:bodyPr/>
+          <a:lstStyle/>
+          <a:p>
+            <a:r>
+              <a:rPr lang="en-DE"/>
+              <a:t>&lt;/&gt; | ShireTec</a:t>
+            </a:r>
+          </a:p>
+        </p:txBody>
+      </p:sp>
+      <p:sp>
+        <p:nvSpPr>
+          <p:cNvPr id="5" name="Slide Number Placeholder 4">
+            <a:extLst>
+              <a:ext uri="{FF2B5EF4-FFF2-40B4-BE49-F238E27FC236}">
+                <a16:creationId xmlns:a16="http://schemas.microsoft.com/office/drawing/2014/main" id="{92256BBF-F222-4ADA-9897-F89B65DC586B}"/>
+              </a:ext>
+            </a:extLst>
+          </p:cNvPr>
+          <p:cNvSpPr>
+            <a:spLocks noGrp="1"/>
+          </p:cNvSpPr>
+          <p:nvPr>
+            <p:ph type="sldNum" sz="quarter" idx="12"/>
+          </p:nvPr>
+        </p:nvSpPr>
+        <p:spPr/>
+        <p:txBody>
+          <a:bodyPr/>
+          <a:lstStyle/>
+          <a:p>
+            <a:fld id="{330EA680-D336-4FF7-8B7A-9848BB0A1C32}" type="slidenum">
+              <a:rPr lang="en-US" smtClean="0"/>
+              <a:pPr/>
+              <a:t>12</a:t>
+            </a:fld>
+            <a:endParaRPr lang="en-DE"/>
+          </a:p>
+        </p:txBody>
+      </p:sp>
+    </p:spTree>
+    <p:extLst>
+      <p:ext uri="{BB962C8B-B14F-4D97-AF65-F5344CB8AC3E}">
+        <p14:creationId xmlns:p14="http://schemas.microsoft.com/office/powerpoint/2010/main" val="852235112"/>
+      </p:ext>
+    </p:extLst>
+  </p:cSld>
+  <p:clrMapOvr>
+    <a:masterClrMapping/>
+  </p:clrMapOvr>
+</p:sld>
+</file>
+
+<file path=ppt/slides/slide13.xml><?xml version="1.0" encoding="utf-8"?>
+<p:sld xmlns:a="http://schemas.openxmlformats.org/drawingml/2006/main" xmlns:r="http://schemas.openxmlformats.org/officeDocument/2006/relationships" xmlns:p="http://schemas.openxmlformats.org/presentationml/2006/main">
+  <p:cSld>
+    <p:spTree>
+      <p:nvGrpSpPr>
+        <p:cNvPr id="1" name=""/>
+        <p:cNvGrpSpPr/>
+        <p:nvPr/>
+      </p:nvGrpSpPr>
+      <p:grpSpPr>
+        <a:xfrm>
+          <a:off x="0" y="0"/>
+          <a:ext cx="0" cy="0"/>
+          <a:chOff x="0" y="0"/>
+          <a:chExt cx="0" cy="0"/>
+        </a:xfrm>
+      </p:grpSpPr>
+      <p:sp>
+        <p:nvSpPr>
+          <p:cNvPr id="2" name="Title 1">
+            <a:extLst>
+              <a:ext uri="{FF2B5EF4-FFF2-40B4-BE49-F238E27FC236}">
+                <a16:creationId xmlns:a16="http://schemas.microsoft.com/office/drawing/2014/main" id="{872E3418-F7C2-4C81-B9AD-F8CB2FAF8927}"/>
+              </a:ext>
+            </a:extLst>
+          </p:cNvPr>
+          <p:cNvSpPr>
+            <a:spLocks noGrp="1"/>
+          </p:cNvSpPr>
+          <p:nvPr>
+            <p:ph type="title"/>
+          </p:nvPr>
+        </p:nvSpPr>
+        <p:spPr/>
+        <p:txBody>
+          <a:bodyPr/>
+          <a:lstStyle/>
+          <a:p>
+            <a:r>
+              <a:rPr lang="de-DE"/>
+              <a:t>Auswirkungen auf Marketing</a:t>
+            </a:r>
+            <a:endParaRPr lang="en-DE"/>
+          </a:p>
+        </p:txBody>
+      </p:sp>
+      <p:sp>
+        <p:nvSpPr>
+          <p:cNvPr id="3" name="Content Placeholder 2">
+            <a:extLst>
+              <a:ext uri="{FF2B5EF4-FFF2-40B4-BE49-F238E27FC236}">
+                <a16:creationId xmlns:a16="http://schemas.microsoft.com/office/drawing/2014/main" id="{E4D60D4B-B6C8-49A8-927A-EA8A93A083CD}"/>
+              </a:ext>
+            </a:extLst>
+          </p:cNvPr>
+          <p:cNvSpPr>
+            <a:spLocks noGrp="1"/>
+          </p:cNvSpPr>
+          <p:nvPr>
+            <p:ph idx="1"/>
+          </p:nvPr>
+        </p:nvSpPr>
+        <p:spPr/>
+        <p:txBody>
+          <a:bodyPr/>
+          <a:lstStyle/>
+          <a:p>
+            <a:pPr marL="0" indent="0">
+              <a:buNone/>
+            </a:pPr>
+            <a:r>
+              <a:rPr lang="en-US" b="1"/>
+              <a:t>3) Welche Zweifel hegen Zielgruppen und wie räumt man diese aus? </a:t>
+            </a:r>
+            <a:endParaRPr lang="en-US" sz="2800" b="1"/>
+          </a:p>
+          <a:p>
+            <a:endParaRPr lang="de-DE" sz="2400"/>
+          </a:p>
+          <a:p>
+            <a:r>
+              <a:rPr lang="de-DE" sz="2400"/>
+              <a:t>Zweifel über Qualität </a:t>
+            </a:r>
+            <a:br>
+              <a:rPr lang="de-DE" sz="2400">
+                <a:sym typeface="Wingdings" panose="05000000000000000000" pitchFamily="2" charset="2"/>
+              </a:rPr>
+            </a:br>
+            <a:r>
+              <a:rPr lang="de-DE" sz="2400">
+                <a:sym typeface="Wingdings" panose="05000000000000000000" pitchFamily="2" charset="2"/>
+              </a:rPr>
+              <a:t> Transparente Kommunikation </a:t>
+            </a:r>
+          </a:p>
+          <a:p>
+            <a:r>
+              <a:rPr lang="de-DE" sz="2400">
+                <a:sym typeface="Wingdings" panose="05000000000000000000" pitchFamily="2" charset="2"/>
+              </a:rPr>
+              <a:t>Datenschutz </a:t>
+            </a:r>
+            <a:br>
+              <a:rPr lang="de-DE" sz="2400">
+                <a:sym typeface="Wingdings" panose="05000000000000000000" pitchFamily="2" charset="2"/>
+              </a:rPr>
+            </a:br>
+            <a:r>
+              <a:rPr lang="de-DE" sz="2400">
+                <a:sym typeface="Wingdings" panose="05000000000000000000" pitchFamily="2" charset="2"/>
+              </a:rPr>
+              <a:t> Zertifizierung nach ISO 27001</a:t>
+            </a:r>
+            <a:endParaRPr lang="de-DE" sz="2400"/>
+          </a:p>
+          <a:p>
+            <a:endParaRPr lang="en-DE" sz="2400"/>
+          </a:p>
+        </p:txBody>
+      </p:sp>
+      <p:sp>
+        <p:nvSpPr>
+          <p:cNvPr id="4" name="Date Placeholder 3">
+            <a:extLst>
+              <a:ext uri="{FF2B5EF4-FFF2-40B4-BE49-F238E27FC236}">
+                <a16:creationId xmlns:a16="http://schemas.microsoft.com/office/drawing/2014/main" id="{BB145475-0659-4DB1-8F96-C00F32C87324}"/>
+              </a:ext>
+            </a:extLst>
+          </p:cNvPr>
+          <p:cNvSpPr>
+            <a:spLocks noGrp="1"/>
+          </p:cNvSpPr>
+          <p:nvPr>
+            <p:ph type="dt" sz="half" idx="10"/>
+          </p:nvPr>
+        </p:nvSpPr>
+        <p:spPr/>
+        <p:txBody>
+          <a:bodyPr/>
+          <a:lstStyle/>
+          <a:p>
+            <a:r>
+              <a:rPr lang="en-DE"/>
+              <a:t>&lt;/&gt; | ShireTec</a:t>
+            </a:r>
+          </a:p>
+        </p:txBody>
+      </p:sp>
+      <p:sp>
+        <p:nvSpPr>
+          <p:cNvPr id="5" name="Slide Number Placeholder 4">
+            <a:extLst>
+              <a:ext uri="{FF2B5EF4-FFF2-40B4-BE49-F238E27FC236}">
+                <a16:creationId xmlns:a16="http://schemas.microsoft.com/office/drawing/2014/main" id="{92256BBF-F222-4ADA-9897-F89B65DC586B}"/>
+              </a:ext>
+            </a:extLst>
+          </p:cNvPr>
+          <p:cNvSpPr>
+            <a:spLocks noGrp="1"/>
+          </p:cNvSpPr>
+          <p:nvPr>
+            <p:ph type="sldNum" sz="quarter" idx="12"/>
+          </p:nvPr>
+        </p:nvSpPr>
+        <p:spPr/>
+        <p:txBody>
+          <a:bodyPr/>
+          <a:lstStyle/>
+          <a:p>
+            <a:fld id="{330EA680-D336-4FF7-8B7A-9848BB0A1C32}" type="slidenum">
+              <a:rPr lang="en-US" smtClean="0"/>
+              <a:pPr/>
+              <a:t>13</a:t>
+            </a:fld>
+            <a:endParaRPr lang="en-DE"/>
+          </a:p>
+        </p:txBody>
+      </p:sp>
+    </p:spTree>
+    <p:extLst>
+      <p:ext uri="{BB962C8B-B14F-4D97-AF65-F5344CB8AC3E}">
+        <p14:creationId xmlns:p14="http://schemas.microsoft.com/office/powerpoint/2010/main" val="205323845"/>
+      </p:ext>
+    </p:extLst>
+  </p:cSld>
+  <p:clrMapOvr>
+    <a:masterClrMapping/>
+  </p:clrMapOvr>
+</p:sld>
+</file>
+
+<file path=ppt/slides/slide14.xml><?xml version="1.0" encoding="utf-8"?>
 <p:sld xmlns:a="http://schemas.openxmlformats.org/drawingml/2006/main" xmlns:r="http://schemas.openxmlformats.org/officeDocument/2006/relationships" xmlns:p="http://schemas.openxmlformats.org/presentationml/2006/main">
   <p:cSld>
     <p:spTree>
@@ -10693,7 +11392,7 @@
             <a:fld id="{330EA680-D336-4FF7-8B7A-9848BB0A1C32}" type="slidenum">
               <a:rPr lang="en-US" smtClean="0"/>
               <a:pPr/>
-              <a:t>11</a:t>
+              <a:t>14</a:t>
             </a:fld>
             <a:endParaRPr lang="en-DE"/>
           </a:p>
@@ -10712,7 +11411,7 @@
 </p:sld>
 </file>
 
-<file path=ppt/slides/slide12.xml><?xml version="1.0" encoding="utf-8"?>
+<file path=ppt/slides/slide15.xml><?xml version="1.0" encoding="utf-8"?>
 <p:sld xmlns:a="http://schemas.openxmlformats.org/drawingml/2006/main" xmlns:r="http://schemas.openxmlformats.org/officeDocument/2006/relationships" xmlns:p="http://schemas.openxmlformats.org/presentationml/2006/main">
   <p:cSld>
     <p:spTree>
@@ -11516,7 +12215,7 @@
             <a:fld id="{330EA680-D336-4FF7-8B7A-9848BB0A1C32}" type="slidenum">
               <a:rPr lang="en-US" smtClean="0"/>
               <a:pPr/>
-              <a:t>12</a:t>
+              <a:t>15</a:t>
             </a:fld>
             <a:endParaRPr lang="en-DE"/>
           </a:p>
@@ -11526,448 +12225,6 @@
     <p:extLst>
       <p:ext uri="{BB962C8B-B14F-4D97-AF65-F5344CB8AC3E}">
         <p14:creationId xmlns:p14="http://schemas.microsoft.com/office/powerpoint/2010/main" val="1910963112"/>
-      </p:ext>
-    </p:extLst>
-  </p:cSld>
-  <p:clrMapOvr>
-    <a:masterClrMapping/>
-  </p:clrMapOvr>
-</p:sld>
-</file>
-
-<file path=ppt/slides/slide13.xml><?xml version="1.0" encoding="utf-8"?>
-<p:sld xmlns:a="http://schemas.openxmlformats.org/drawingml/2006/main" xmlns:r="http://schemas.openxmlformats.org/officeDocument/2006/relationships" xmlns:p="http://schemas.openxmlformats.org/presentationml/2006/main">
-  <p:cSld>
-    <p:spTree>
-      <p:nvGrpSpPr>
-        <p:cNvPr id="1" name=""/>
-        <p:cNvGrpSpPr/>
-        <p:nvPr/>
-      </p:nvGrpSpPr>
-      <p:grpSpPr>
-        <a:xfrm>
-          <a:off x="0" y="0"/>
-          <a:ext cx="0" cy="0"/>
-          <a:chOff x="0" y="0"/>
-          <a:chExt cx="0" cy="0"/>
-        </a:xfrm>
-      </p:grpSpPr>
-      <p:sp>
-        <p:nvSpPr>
-          <p:cNvPr id="5" name="Title 4">
-            <a:extLst>
-              <a:ext uri="{FF2B5EF4-FFF2-40B4-BE49-F238E27FC236}">
-                <a16:creationId xmlns:a16="http://schemas.microsoft.com/office/drawing/2014/main" id="{12DAB5F1-0975-4405-A700-74BBD721D632}"/>
-              </a:ext>
-            </a:extLst>
-          </p:cNvPr>
-          <p:cNvSpPr>
-            <a:spLocks noGrp="1"/>
-          </p:cNvSpPr>
-          <p:nvPr>
-            <p:ph type="title"/>
-          </p:nvPr>
-        </p:nvSpPr>
-        <p:spPr/>
-        <p:txBody>
-          <a:bodyPr>
-            <a:normAutofit/>
-          </a:bodyPr>
-          <a:lstStyle/>
-          <a:p>
-            <a:r>
-              <a:rPr lang="de-DE" sz="8000" b="1"/>
-              <a:t>ShireEye</a:t>
-            </a:r>
-            <a:endParaRPr lang="en-DE" sz="8000" b="1"/>
-          </a:p>
-        </p:txBody>
-      </p:sp>
-      <p:sp>
-        <p:nvSpPr>
-          <p:cNvPr id="8" name="Text Placeholder 7">
-            <a:extLst>
-              <a:ext uri="{FF2B5EF4-FFF2-40B4-BE49-F238E27FC236}">
-                <a16:creationId xmlns:a16="http://schemas.microsoft.com/office/drawing/2014/main" id="{67A7BF5B-CD65-4928-BDB6-512E9850634F}"/>
-              </a:ext>
-            </a:extLst>
-          </p:cNvPr>
-          <p:cNvSpPr>
-            <a:spLocks noGrp="1"/>
-          </p:cNvSpPr>
-          <p:nvPr>
-            <p:ph type="body" idx="1"/>
-          </p:nvPr>
-        </p:nvSpPr>
-        <p:spPr/>
-        <p:txBody>
-          <a:bodyPr>
-            <a:normAutofit/>
-          </a:bodyPr>
-          <a:lstStyle/>
-          <a:p>
-            <a:r>
-              <a:rPr lang="de-DE" sz="2800"/>
-              <a:t>- Live Demo -</a:t>
-            </a:r>
-            <a:endParaRPr lang="en-DE" sz="2800"/>
-          </a:p>
-        </p:txBody>
-      </p:sp>
-      <p:sp>
-        <p:nvSpPr>
-          <p:cNvPr id="3" name="Date Placeholder 2">
-            <a:extLst>
-              <a:ext uri="{FF2B5EF4-FFF2-40B4-BE49-F238E27FC236}">
-                <a16:creationId xmlns:a16="http://schemas.microsoft.com/office/drawing/2014/main" id="{6FECD82D-40ED-4053-9B89-2F806E63D479}"/>
-              </a:ext>
-            </a:extLst>
-          </p:cNvPr>
-          <p:cNvSpPr>
-            <a:spLocks noGrp="1"/>
-          </p:cNvSpPr>
-          <p:nvPr>
-            <p:ph type="dt" sz="half" idx="10"/>
-          </p:nvPr>
-        </p:nvSpPr>
-        <p:spPr/>
-        <p:txBody>
-          <a:bodyPr/>
-          <a:lstStyle/>
-          <a:p>
-            <a:r>
-              <a:rPr lang="en-DE"/>
-              <a:t>&lt;/&gt; | ShireTec</a:t>
-            </a:r>
-          </a:p>
-        </p:txBody>
-      </p:sp>
-      <p:sp>
-        <p:nvSpPr>
-          <p:cNvPr id="4" name="Slide Number Placeholder 3">
-            <a:extLst>
-              <a:ext uri="{FF2B5EF4-FFF2-40B4-BE49-F238E27FC236}">
-                <a16:creationId xmlns:a16="http://schemas.microsoft.com/office/drawing/2014/main" id="{63B965FD-781A-43F9-9733-2EDF941CEE8D}"/>
-              </a:ext>
-            </a:extLst>
-          </p:cNvPr>
-          <p:cNvSpPr>
-            <a:spLocks noGrp="1"/>
-          </p:cNvSpPr>
-          <p:nvPr>
-            <p:ph type="sldNum" sz="quarter" idx="12"/>
-          </p:nvPr>
-        </p:nvSpPr>
-        <p:spPr/>
-        <p:txBody>
-          <a:bodyPr/>
-          <a:lstStyle/>
-          <a:p>
-            <a:fld id="{330EA680-D336-4FF7-8B7A-9848BB0A1C32}" type="slidenum">
-              <a:rPr lang="en-US" smtClean="0"/>
-              <a:pPr/>
-              <a:t>13</a:t>
-            </a:fld>
-            <a:endParaRPr lang="en-DE"/>
-          </a:p>
-        </p:txBody>
-      </p:sp>
-    </p:spTree>
-    <p:extLst>
-      <p:ext uri="{BB962C8B-B14F-4D97-AF65-F5344CB8AC3E}">
-        <p14:creationId xmlns:p14="http://schemas.microsoft.com/office/powerpoint/2010/main" val="1472610987"/>
-      </p:ext>
-    </p:extLst>
-  </p:cSld>
-  <p:clrMapOvr>
-    <a:masterClrMapping/>
-  </p:clrMapOvr>
-</p:sld>
-</file>
-
-<file path=ppt/slides/slide14.xml><?xml version="1.0" encoding="utf-8"?>
-<p:sld xmlns:a="http://schemas.openxmlformats.org/drawingml/2006/main" xmlns:r="http://schemas.openxmlformats.org/officeDocument/2006/relationships" xmlns:p="http://schemas.openxmlformats.org/presentationml/2006/main">
-  <p:cSld>
-    <p:spTree>
-      <p:nvGrpSpPr>
-        <p:cNvPr id="1" name=""/>
-        <p:cNvGrpSpPr/>
-        <p:nvPr/>
-      </p:nvGrpSpPr>
-      <p:grpSpPr>
-        <a:xfrm>
-          <a:off x="0" y="0"/>
-          <a:ext cx="0" cy="0"/>
-          <a:chOff x="0" y="0"/>
-          <a:chExt cx="0" cy="0"/>
-        </a:xfrm>
-      </p:grpSpPr>
-      <p:sp>
-        <p:nvSpPr>
-          <p:cNvPr id="5" name="Title 4">
-            <a:extLst>
-              <a:ext uri="{FF2B5EF4-FFF2-40B4-BE49-F238E27FC236}">
-                <a16:creationId xmlns:a16="http://schemas.microsoft.com/office/drawing/2014/main" id="{12DAB5F1-0975-4405-A700-74BBD721D632}"/>
-              </a:ext>
-            </a:extLst>
-          </p:cNvPr>
-          <p:cNvSpPr>
-            <a:spLocks noGrp="1"/>
-          </p:cNvSpPr>
-          <p:nvPr>
-            <p:ph type="title"/>
-          </p:nvPr>
-        </p:nvSpPr>
-        <p:spPr/>
-        <p:txBody>
-          <a:bodyPr>
-            <a:normAutofit/>
-          </a:bodyPr>
-          <a:lstStyle/>
-          <a:p>
-            <a:r>
-              <a:rPr lang="de-DE" sz="8000" b="1"/>
-              <a:t>ShireEye</a:t>
-            </a:r>
-            <a:endParaRPr lang="en-DE" sz="8000" b="1"/>
-          </a:p>
-        </p:txBody>
-      </p:sp>
-      <p:sp>
-        <p:nvSpPr>
-          <p:cNvPr id="8" name="Text Placeholder 7">
-            <a:extLst>
-              <a:ext uri="{FF2B5EF4-FFF2-40B4-BE49-F238E27FC236}">
-                <a16:creationId xmlns:a16="http://schemas.microsoft.com/office/drawing/2014/main" id="{67A7BF5B-CD65-4928-BDB6-512E9850634F}"/>
-              </a:ext>
-            </a:extLst>
-          </p:cNvPr>
-          <p:cNvSpPr>
-            <a:spLocks noGrp="1"/>
-          </p:cNvSpPr>
-          <p:nvPr>
-            <p:ph type="body" idx="1"/>
-          </p:nvPr>
-        </p:nvSpPr>
-        <p:spPr/>
-        <p:txBody>
-          <a:bodyPr>
-            <a:normAutofit/>
-          </a:bodyPr>
-          <a:lstStyle/>
-          <a:p>
-            <a:r>
-              <a:rPr lang="de-DE" sz="2800"/>
-              <a:t>- Outlook -</a:t>
-            </a:r>
-            <a:endParaRPr lang="en-DE" sz="2800"/>
-          </a:p>
-        </p:txBody>
-      </p:sp>
-      <p:sp>
-        <p:nvSpPr>
-          <p:cNvPr id="3" name="Date Placeholder 2">
-            <a:extLst>
-              <a:ext uri="{FF2B5EF4-FFF2-40B4-BE49-F238E27FC236}">
-                <a16:creationId xmlns:a16="http://schemas.microsoft.com/office/drawing/2014/main" id="{6FECD82D-40ED-4053-9B89-2F806E63D479}"/>
-              </a:ext>
-            </a:extLst>
-          </p:cNvPr>
-          <p:cNvSpPr>
-            <a:spLocks noGrp="1"/>
-          </p:cNvSpPr>
-          <p:nvPr>
-            <p:ph type="dt" sz="half" idx="10"/>
-          </p:nvPr>
-        </p:nvSpPr>
-        <p:spPr/>
-        <p:txBody>
-          <a:bodyPr/>
-          <a:lstStyle/>
-          <a:p>
-            <a:r>
-              <a:rPr lang="en-DE"/>
-              <a:t>&lt;/&gt; | ShireTec</a:t>
-            </a:r>
-          </a:p>
-        </p:txBody>
-      </p:sp>
-      <p:sp>
-        <p:nvSpPr>
-          <p:cNvPr id="4" name="Slide Number Placeholder 3">
-            <a:extLst>
-              <a:ext uri="{FF2B5EF4-FFF2-40B4-BE49-F238E27FC236}">
-                <a16:creationId xmlns:a16="http://schemas.microsoft.com/office/drawing/2014/main" id="{63B965FD-781A-43F9-9733-2EDF941CEE8D}"/>
-              </a:ext>
-            </a:extLst>
-          </p:cNvPr>
-          <p:cNvSpPr>
-            <a:spLocks noGrp="1"/>
-          </p:cNvSpPr>
-          <p:nvPr>
-            <p:ph type="sldNum" sz="quarter" idx="12"/>
-          </p:nvPr>
-        </p:nvSpPr>
-        <p:spPr/>
-        <p:txBody>
-          <a:bodyPr/>
-          <a:lstStyle/>
-          <a:p>
-            <a:fld id="{330EA680-D336-4FF7-8B7A-9848BB0A1C32}" type="slidenum">
-              <a:rPr lang="en-US" smtClean="0"/>
-              <a:pPr/>
-              <a:t>14</a:t>
-            </a:fld>
-            <a:endParaRPr lang="en-DE"/>
-          </a:p>
-        </p:txBody>
-      </p:sp>
-    </p:spTree>
-    <p:extLst>
-      <p:ext uri="{BB962C8B-B14F-4D97-AF65-F5344CB8AC3E}">
-        <p14:creationId xmlns:p14="http://schemas.microsoft.com/office/powerpoint/2010/main" val="460978704"/>
-      </p:ext>
-    </p:extLst>
-  </p:cSld>
-  <p:clrMapOvr>
-    <a:masterClrMapping/>
-  </p:clrMapOvr>
-</p:sld>
-</file>
-
-<file path=ppt/slides/slide15.xml><?xml version="1.0" encoding="utf-8"?>
-<p:sld xmlns:a="http://schemas.openxmlformats.org/drawingml/2006/main" xmlns:r="http://schemas.openxmlformats.org/officeDocument/2006/relationships" xmlns:p="http://schemas.openxmlformats.org/presentationml/2006/main">
-  <p:cSld>
-    <p:spTree>
-      <p:nvGrpSpPr>
-        <p:cNvPr id="1" name=""/>
-        <p:cNvGrpSpPr/>
-        <p:nvPr/>
-      </p:nvGrpSpPr>
-      <p:grpSpPr>
-        <a:xfrm>
-          <a:off x="0" y="0"/>
-          <a:ext cx="0" cy="0"/>
-          <a:chOff x="0" y="0"/>
-          <a:chExt cx="0" cy="0"/>
-        </a:xfrm>
-      </p:grpSpPr>
-      <p:sp>
-        <p:nvSpPr>
-          <p:cNvPr id="6" name="Title 5">
-            <a:extLst>
-              <a:ext uri="{FF2B5EF4-FFF2-40B4-BE49-F238E27FC236}">
-                <a16:creationId xmlns:a16="http://schemas.microsoft.com/office/drawing/2014/main" id="{92535F63-EE83-4831-997F-36252702CAA9}"/>
-              </a:ext>
-            </a:extLst>
-          </p:cNvPr>
-          <p:cNvSpPr>
-            <a:spLocks noGrp="1"/>
-          </p:cNvSpPr>
-          <p:nvPr>
-            <p:ph type="ctrTitle"/>
-          </p:nvPr>
-        </p:nvSpPr>
-        <p:spPr/>
-        <p:txBody>
-          <a:bodyPr/>
-          <a:lstStyle/>
-          <a:p>
-            <a:r>
-              <a:rPr lang="de-DE"/>
-              <a:t>Interne Umsetzung</a:t>
-            </a:r>
-            <a:endParaRPr lang="en-DE"/>
-          </a:p>
-        </p:txBody>
-      </p:sp>
-      <p:sp>
-        <p:nvSpPr>
-          <p:cNvPr id="7" name="Subtitle 6">
-            <a:extLst>
-              <a:ext uri="{FF2B5EF4-FFF2-40B4-BE49-F238E27FC236}">
-                <a16:creationId xmlns:a16="http://schemas.microsoft.com/office/drawing/2014/main" id="{99875289-CB13-4837-8FBC-86BEBFE068A9}"/>
-              </a:ext>
-            </a:extLst>
-          </p:cNvPr>
-          <p:cNvSpPr>
-            <a:spLocks noGrp="1"/>
-          </p:cNvSpPr>
-          <p:nvPr>
-            <p:ph type="subTitle" idx="1"/>
-          </p:nvPr>
-        </p:nvSpPr>
-        <p:spPr/>
-        <p:txBody>
-          <a:bodyPr/>
-          <a:lstStyle/>
-          <a:p>
-            <a:endParaRPr lang="en-DE"/>
-          </a:p>
-        </p:txBody>
-      </p:sp>
-      <p:sp>
-        <p:nvSpPr>
-          <p:cNvPr id="4" name="Date Placeholder 3">
-            <a:extLst>
-              <a:ext uri="{FF2B5EF4-FFF2-40B4-BE49-F238E27FC236}">
-                <a16:creationId xmlns:a16="http://schemas.microsoft.com/office/drawing/2014/main" id="{4B136B6C-538D-4321-8B7A-4883F01BB719}"/>
-              </a:ext>
-            </a:extLst>
-          </p:cNvPr>
-          <p:cNvSpPr>
-            <a:spLocks noGrp="1"/>
-          </p:cNvSpPr>
-          <p:nvPr>
-            <p:ph type="dt" sz="half" idx="10"/>
-          </p:nvPr>
-        </p:nvSpPr>
-        <p:spPr/>
-        <p:txBody>
-          <a:bodyPr/>
-          <a:lstStyle/>
-          <a:p>
-            <a:r>
-              <a:rPr lang="en-DE"/>
-              <a:t>&lt;/&gt; | ShireTec</a:t>
-            </a:r>
-          </a:p>
-        </p:txBody>
-      </p:sp>
-      <p:sp>
-        <p:nvSpPr>
-          <p:cNvPr id="5" name="Slide Number Placeholder 4">
-            <a:extLst>
-              <a:ext uri="{FF2B5EF4-FFF2-40B4-BE49-F238E27FC236}">
-                <a16:creationId xmlns:a16="http://schemas.microsoft.com/office/drawing/2014/main" id="{91C41152-A726-4362-AB72-6A8265E456F8}"/>
-              </a:ext>
-            </a:extLst>
-          </p:cNvPr>
-          <p:cNvSpPr>
-            <a:spLocks noGrp="1"/>
-          </p:cNvSpPr>
-          <p:nvPr>
-            <p:ph type="sldNum" sz="quarter" idx="12"/>
-          </p:nvPr>
-        </p:nvSpPr>
-        <p:spPr/>
-        <p:txBody>
-          <a:bodyPr/>
-          <a:lstStyle/>
-          <a:p>
-            <a:fld id="{330EA680-D336-4FF7-8B7A-9848BB0A1C32}" type="slidenum">
-              <a:rPr lang="en-US" smtClean="0"/>
-              <a:pPr/>
-              <a:t>15</a:t>
-            </a:fld>
-            <a:endParaRPr lang="en-DE"/>
-          </a:p>
-        </p:txBody>
-      </p:sp>
-    </p:spTree>
-    <p:extLst>
-      <p:ext uri="{BB962C8B-B14F-4D97-AF65-F5344CB8AC3E}">
-        <p14:creationId xmlns:p14="http://schemas.microsoft.com/office/powerpoint/2010/main" val="2756825684"/>
       </p:ext>
     </p:extLst>
   </p:cSld>
@@ -11996,10 +12253,10 @@
       </p:grpSpPr>
       <p:sp>
         <p:nvSpPr>
-          <p:cNvPr id="7" name="Title 6">
+          <p:cNvPr id="5" name="Title 4">
             <a:extLst>
               <a:ext uri="{FF2B5EF4-FFF2-40B4-BE49-F238E27FC236}">
-                <a16:creationId xmlns:a16="http://schemas.microsoft.com/office/drawing/2014/main" id="{785E359D-979D-48C5-89D2-EE2A79E7F4F9}"/>
+                <a16:creationId xmlns:a16="http://schemas.microsoft.com/office/drawing/2014/main" id="{12DAB5F1-0975-4405-A700-74BBD721D632}"/>
               </a:ext>
             </a:extLst>
           </p:cNvPr>
@@ -12012,23 +12269,25 @@
         </p:nvSpPr>
         <p:spPr/>
         <p:txBody>
-          <a:bodyPr/>
-          <a:lstStyle/>
-          <a:p>
-            <a:r>
-              <a:rPr lang="de-DE"/>
-              <a:t>Agenda – Interne Umsetzung</a:t>
-            </a:r>
-            <a:endParaRPr lang="en-DE"/>
-          </a:p>
-        </p:txBody>
-      </p:sp>
-      <p:sp>
-        <p:nvSpPr>
-          <p:cNvPr id="11" name="Content Placeholder 10">
+          <a:bodyPr>
+            <a:normAutofit/>
+          </a:bodyPr>
+          <a:lstStyle/>
+          <a:p>
+            <a:r>
+              <a:rPr lang="de-DE" sz="8000" b="1"/>
+              <a:t>ShireEye</a:t>
+            </a:r>
+            <a:endParaRPr lang="en-DE" sz="8000" b="1"/>
+          </a:p>
+        </p:txBody>
+      </p:sp>
+      <p:sp>
+        <p:nvSpPr>
+          <p:cNvPr id="8" name="Text Placeholder 7">
             <a:extLst>
               <a:ext uri="{FF2B5EF4-FFF2-40B4-BE49-F238E27FC236}">
-                <a16:creationId xmlns:a16="http://schemas.microsoft.com/office/drawing/2014/main" id="{3E4F0537-F1E1-4423-ACFC-426945928EFD}"/>
+                <a16:creationId xmlns:a16="http://schemas.microsoft.com/office/drawing/2014/main" id="{67A7BF5B-CD65-4928-BDB6-512E9850634F}"/>
               </a:ext>
             </a:extLst>
           </p:cNvPr>
@@ -12036,106 +12295,30 @@
             <a:spLocks noGrp="1"/>
           </p:cNvSpPr>
           <p:nvPr>
-            <p:ph idx="1"/>
+            <p:ph type="body" idx="1"/>
           </p:nvPr>
         </p:nvSpPr>
         <p:spPr/>
         <p:txBody>
           <a:bodyPr>
-            <a:normAutofit fontScale="85000" lnSpcReduction="20000"/>
+            <a:normAutofit/>
           </a:bodyPr>
           <a:lstStyle/>
           <a:p>
             <a:r>
-              <a:rPr lang="de-DE"/>
-              <a:t>Arbeitsweise </a:t>
-            </a:r>
-            <a:r>
-              <a:rPr lang="de-DE">
-                <a:sym typeface="Wingdings" panose="05000000000000000000" pitchFamily="2" charset="2"/>
-              </a:rPr>
-              <a:t>– Scrum</a:t>
-            </a:r>
-          </a:p>
-          <a:p>
-            <a:r>
-              <a:rPr lang="en-GB"/>
-              <a:t>Risikoklassifizierung &amp; -analyse</a:t>
-            </a:r>
-          </a:p>
-          <a:p>
-            <a:r>
-              <a:rPr lang="en-GB"/>
-              <a:t>Datensätze</a:t>
-            </a:r>
-          </a:p>
-          <a:p>
-            <a:r>
-              <a:rPr lang="en-GB"/>
-              <a:t>Ereignis-Reaktionsmodell</a:t>
-            </a:r>
-          </a:p>
-          <a:p>
-            <a:r>
-              <a:rPr lang="en-GB"/>
-              <a:t>Use-Case-Schablone</a:t>
-            </a:r>
-          </a:p>
-          <a:p>
-            <a:r>
-              <a:rPr lang="en-GB"/>
-              <a:t>Aktivitätsdiagramm</a:t>
-            </a:r>
-          </a:p>
-          <a:p>
-            <a:r>
-              <a:rPr lang="en-GB"/>
-              <a:t>Architektur</a:t>
-            </a:r>
-          </a:p>
-          <a:p>
-            <a:r>
-              <a:rPr lang="en-GB"/>
-              <a:t>Entscheidungstabelle</a:t>
-            </a:r>
-          </a:p>
-          <a:p>
-            <a:r>
-              <a:rPr lang="en-GB"/>
-              <a:t>Algorithmenbeschreibung</a:t>
-            </a:r>
-          </a:p>
-          <a:p>
-            <a:r>
-              <a:rPr lang="en-GB"/>
-              <a:t>Tensorflow Modelle</a:t>
-            </a:r>
-          </a:p>
-          <a:p>
-            <a:r>
-              <a:rPr lang="en-GB"/>
-              <a:t>Explainable AI</a:t>
-            </a:r>
-          </a:p>
-          <a:p>
-            <a:endParaRPr lang="en-GB"/>
-          </a:p>
-          <a:p>
-            <a:endParaRPr lang="de-DE">
-              <a:sym typeface="Wingdings" panose="05000000000000000000" pitchFamily="2" charset="2"/>
-            </a:endParaRPr>
-          </a:p>
-          <a:p>
-            <a:endParaRPr lang="en-DE"/>
-          </a:p>
-        </p:txBody>
-      </p:sp>
-      <p:sp>
-        <p:nvSpPr>
-          <p:cNvPr id="9" name="Date Placeholder 8">
+              <a:rPr lang="de-DE" sz="2800"/>
+              <a:t>- Live Demo -</a:t>
+            </a:r>
+            <a:endParaRPr lang="en-DE" sz="2800"/>
+          </a:p>
+        </p:txBody>
+      </p:sp>
+      <p:sp>
+        <p:nvSpPr>
+          <p:cNvPr id="3" name="Date Placeholder 2">
             <a:extLst>
               <a:ext uri="{FF2B5EF4-FFF2-40B4-BE49-F238E27FC236}">
-                <a16:creationId xmlns:a16="http://schemas.microsoft.com/office/drawing/2014/main" id="{70E17900-3E36-496C-BE95-CE605F62DCB6}"/>
+                <a16:creationId xmlns:a16="http://schemas.microsoft.com/office/drawing/2014/main" id="{6FECD82D-40ED-4053-9B89-2F806E63D479}"/>
               </a:ext>
             </a:extLst>
           </p:cNvPr>
@@ -12160,10 +12343,10 @@
       </p:sp>
       <p:sp>
         <p:nvSpPr>
-          <p:cNvPr id="10" name="Slide Number Placeholder 9">
+          <p:cNvPr id="4" name="Slide Number Placeholder 3">
             <a:extLst>
               <a:ext uri="{FF2B5EF4-FFF2-40B4-BE49-F238E27FC236}">
-                <a16:creationId xmlns:a16="http://schemas.microsoft.com/office/drawing/2014/main" id="{20806444-FBA9-4A29-85D5-C2D7E9AA8FBE}"/>
+                <a16:creationId xmlns:a16="http://schemas.microsoft.com/office/drawing/2014/main" id="{63B965FD-781A-43F9-9733-2EDF941CEE8D}"/>
               </a:ext>
             </a:extLst>
           </p:cNvPr>
@@ -12191,7 +12374,7 @@
     </p:spTree>
     <p:extLst>
       <p:ext uri="{BB962C8B-B14F-4D97-AF65-F5344CB8AC3E}">
-        <p14:creationId xmlns:p14="http://schemas.microsoft.com/office/powerpoint/2010/main" val="841560677"/>
+        <p14:creationId xmlns:p14="http://schemas.microsoft.com/office/powerpoint/2010/main" val="1472610987"/>
       </p:ext>
     </p:extLst>
   </p:cSld>
@@ -12220,10 +12403,10 @@
       </p:grpSpPr>
       <p:sp>
         <p:nvSpPr>
-          <p:cNvPr id="4" name="Title 3">
+          <p:cNvPr id="5" name="Title 4">
             <a:extLst>
               <a:ext uri="{FF2B5EF4-FFF2-40B4-BE49-F238E27FC236}">
-                <a16:creationId xmlns:a16="http://schemas.microsoft.com/office/drawing/2014/main" id="{F4459FF9-3D30-4E7F-AB75-0AC386B74068}"/>
+                <a16:creationId xmlns:a16="http://schemas.microsoft.com/office/drawing/2014/main" id="{12DAB5F1-0975-4405-A700-74BBD721D632}"/>
               </a:ext>
             </a:extLst>
           </p:cNvPr>
@@ -12236,33 +12419,25 @@
         </p:nvSpPr>
         <p:spPr/>
         <p:txBody>
-          <a:bodyPr/>
-          <a:lstStyle/>
-          <a:p>
-            <a:r>
-              <a:rPr lang="de-DE"/>
-              <a:t>Arbeitsweise </a:t>
-            </a:r>
-            <a:r>
-              <a:rPr lang="de-DE">
-                <a:sym typeface="Wingdings" panose="05000000000000000000" pitchFamily="2" charset="2"/>
-              </a:rPr>
-              <a:t>– S</a:t>
-            </a:r>
-            <a:r>
-              <a:rPr lang="de-DE"/>
-              <a:t>crum</a:t>
-            </a:r>
-            <a:endParaRPr lang="en-DE"/>
-          </a:p>
-        </p:txBody>
-      </p:sp>
-      <p:sp>
-        <p:nvSpPr>
-          <p:cNvPr id="5" name="Text Placeholder 4">
+          <a:bodyPr>
+            <a:normAutofit/>
+          </a:bodyPr>
+          <a:lstStyle/>
+          <a:p>
+            <a:r>
+              <a:rPr lang="de-DE" sz="8000" b="1"/>
+              <a:t>ShireEye</a:t>
+            </a:r>
+            <a:endParaRPr lang="en-DE" sz="8000" b="1"/>
+          </a:p>
+        </p:txBody>
+      </p:sp>
+      <p:sp>
+        <p:nvSpPr>
+          <p:cNvPr id="8" name="Text Placeholder 7">
             <a:extLst>
               <a:ext uri="{FF2B5EF4-FFF2-40B4-BE49-F238E27FC236}">
-                <a16:creationId xmlns:a16="http://schemas.microsoft.com/office/drawing/2014/main" id="{C48EBEDE-43F8-4D20-AE75-C0418F99D708}"/>
+                <a16:creationId xmlns:a16="http://schemas.microsoft.com/office/drawing/2014/main" id="{67A7BF5B-CD65-4928-BDB6-512E9850634F}"/>
               </a:ext>
             </a:extLst>
           </p:cNvPr>
@@ -12282,7 +12457,7 @@
           <a:p>
             <a:r>
               <a:rPr lang="de-DE" sz="2800"/>
-              <a:t>Sprint</a:t>
+              <a:t>- Outlook -</a:t>
             </a:r>
             <a:endParaRPr lang="en-DE" sz="2800"/>
           </a:p>
@@ -12290,10 +12465,10 @@
       </p:sp>
       <p:sp>
         <p:nvSpPr>
-          <p:cNvPr id="6" name="Content Placeholder 5">
+          <p:cNvPr id="3" name="Date Placeholder 2">
             <a:extLst>
               <a:ext uri="{FF2B5EF4-FFF2-40B4-BE49-F238E27FC236}">
-                <a16:creationId xmlns:a16="http://schemas.microsoft.com/office/drawing/2014/main" id="{AA99A519-B75D-4E96-BED3-B102E2636C13}"/>
+                <a16:creationId xmlns:a16="http://schemas.microsoft.com/office/drawing/2014/main" id="{6FECD82D-40ED-4053-9B89-2F806E63D479}"/>
               </a:ext>
             </a:extLst>
           </p:cNvPr>
@@ -12301,517 +12476,27 @@
             <a:spLocks noGrp="1"/>
           </p:cNvSpPr>
           <p:nvPr>
-            <p:ph sz="half" idx="2"/>
-          </p:nvPr>
-        </p:nvSpPr>
-        <p:spPr/>
-        <p:txBody>
-          <a:bodyPr>
-            <a:normAutofit fontScale="92500" lnSpcReduction="20000"/>
-          </a:bodyPr>
-          <a:lstStyle/>
-          <a:p>
-            <a:r>
-              <a:rPr lang="de-DE" sz="2600"/>
-              <a:t>1-8 Wochen</a:t>
-            </a:r>
-          </a:p>
-          <a:p>
-            <a:r>
-              <a:rPr lang="de-DE" sz="2600"/>
-              <a:t>Sprint Goal: nutzbares </a:t>
-            </a:r>
-            <a:r>
-              <a:rPr lang="de-DE" sz="2600" err="1"/>
-              <a:t>product</a:t>
-            </a:r>
-            <a:r>
-              <a:rPr lang="de-DE" sz="2600"/>
-              <a:t> </a:t>
-            </a:r>
-            <a:r>
-              <a:rPr lang="de-DE" sz="2600" err="1"/>
-              <a:t>increment</a:t>
-            </a:r>
-            <a:endParaRPr lang="de-DE" sz="2600"/>
-          </a:p>
-          <a:p>
-            <a:endParaRPr lang="de-DE" sz="1800"/>
-          </a:p>
-          <a:p>
-            <a:pPr marL="0" indent="0">
-              <a:buNone/>
-            </a:pPr>
-            <a:r>
-              <a:rPr lang="de-DE" sz="3000" b="1"/>
-              <a:t>Meetings je Sprint</a:t>
-            </a:r>
-          </a:p>
-          <a:p>
-            <a:pPr marL="342900" lvl="0" indent="-342900">
-              <a:lnSpc>
-                <a:spcPct val="107000"/>
-              </a:lnSpc>
-              <a:buFont typeface="Symbol" panose="05050102010706020507" pitchFamily="18" charset="2"/>
-              <a:buChar char=""/>
-            </a:pPr>
-            <a:r>
-              <a:rPr lang="de-DE" sz="2600">
-                <a:effectLst/>
-                <a:latin typeface="Calibri" panose="020F0502020204030204" pitchFamily="34" charset="0"/>
-                <a:ea typeface="Calibri" panose="020F0502020204030204" pitchFamily="34" charset="0"/>
-                <a:cs typeface="Times New Roman" panose="02020603050405020304" pitchFamily="18" charset="0"/>
-              </a:rPr>
-              <a:t>Beginn: Sprint </a:t>
-            </a:r>
-            <a:r>
-              <a:rPr lang="de-DE" sz="2600" err="1">
-                <a:effectLst/>
-                <a:latin typeface="Calibri" panose="020F0502020204030204" pitchFamily="34" charset="0"/>
-                <a:ea typeface="Calibri" panose="020F0502020204030204" pitchFamily="34" charset="0"/>
-                <a:cs typeface="Times New Roman" panose="02020603050405020304" pitchFamily="18" charset="0"/>
-              </a:rPr>
-              <a:t>Planning</a:t>
-            </a:r>
-            <a:endParaRPr lang="en-DE" sz="2600">
-              <a:effectLst/>
-              <a:latin typeface="Calibri" panose="020F0502020204030204" pitchFamily="34" charset="0"/>
-              <a:ea typeface="Calibri" panose="020F0502020204030204" pitchFamily="34" charset="0"/>
-              <a:cs typeface="Times New Roman" panose="02020603050405020304" pitchFamily="18" charset="0"/>
-            </a:endParaRPr>
-          </a:p>
-          <a:p>
-            <a:pPr marL="342900" lvl="0" indent="-342900">
-              <a:lnSpc>
-                <a:spcPct val="107000"/>
-              </a:lnSpc>
-              <a:buFont typeface="Symbol" panose="05050102010706020507" pitchFamily="18" charset="2"/>
-              <a:buChar char=""/>
-            </a:pPr>
-            <a:r>
-              <a:rPr lang="en-US" sz="2600">
-                <a:effectLst/>
-                <a:latin typeface="Calibri" panose="020F0502020204030204" pitchFamily="34" charset="0"/>
-                <a:ea typeface="Calibri" panose="020F0502020204030204" pitchFamily="34" charset="0"/>
-                <a:cs typeface="Times New Roman" panose="02020603050405020304" pitchFamily="18" charset="0"/>
-              </a:rPr>
-              <a:t>Sprint Daily (Daily Scrum ~ 15 Min)</a:t>
-            </a:r>
-            <a:endParaRPr lang="en-DE" sz="2600">
-              <a:effectLst/>
-              <a:latin typeface="Calibri" panose="020F0502020204030204" pitchFamily="34" charset="0"/>
-              <a:ea typeface="Calibri" panose="020F0502020204030204" pitchFamily="34" charset="0"/>
-              <a:cs typeface="Times New Roman" panose="02020603050405020304" pitchFamily="18" charset="0"/>
-            </a:endParaRPr>
-          </a:p>
-          <a:p>
-            <a:pPr marL="342900" lvl="0" indent="-342900">
-              <a:lnSpc>
-                <a:spcPct val="107000"/>
-              </a:lnSpc>
-              <a:buFont typeface="Symbol" panose="05050102010706020507" pitchFamily="18" charset="2"/>
-              <a:buChar char=""/>
-            </a:pPr>
-            <a:r>
-              <a:rPr lang="en-US" sz="2600" err="1">
-                <a:effectLst/>
-                <a:latin typeface="Calibri" panose="020F0502020204030204" pitchFamily="34" charset="0"/>
-                <a:ea typeface="Calibri" panose="020F0502020204030204" pitchFamily="34" charset="0"/>
-                <a:cs typeface="Times New Roman" panose="02020603050405020304" pitchFamily="18" charset="0"/>
-              </a:rPr>
-              <a:t>Abschluss</a:t>
-            </a:r>
-            <a:r>
-              <a:rPr lang="en-US" sz="2600">
-                <a:effectLst/>
-                <a:latin typeface="Calibri" panose="020F0502020204030204" pitchFamily="34" charset="0"/>
-                <a:ea typeface="Calibri" panose="020F0502020204030204" pitchFamily="34" charset="0"/>
-                <a:cs typeface="Times New Roman" panose="02020603050405020304" pitchFamily="18" charset="0"/>
-              </a:rPr>
-              <a:t>: Sprint Review</a:t>
-            </a:r>
-            <a:endParaRPr lang="en-DE" sz="2600">
-              <a:effectLst/>
-              <a:latin typeface="Calibri" panose="020F0502020204030204" pitchFamily="34" charset="0"/>
-              <a:ea typeface="Calibri" panose="020F0502020204030204" pitchFamily="34" charset="0"/>
-              <a:cs typeface="Times New Roman" panose="02020603050405020304" pitchFamily="18" charset="0"/>
-            </a:endParaRPr>
-          </a:p>
-          <a:p>
-            <a:pPr marL="342900" lvl="0" indent="-342900">
-              <a:lnSpc>
-                <a:spcPct val="107000"/>
-              </a:lnSpc>
-              <a:buFont typeface="Symbol" panose="05050102010706020507" pitchFamily="18" charset="2"/>
-              <a:buChar char=""/>
-            </a:pPr>
-            <a:r>
-              <a:rPr lang="en-US" sz="2600" err="1">
-                <a:effectLst/>
-                <a:latin typeface="Calibri" panose="020F0502020204030204" pitchFamily="34" charset="0"/>
-                <a:ea typeface="Calibri" panose="020F0502020204030204" pitchFamily="34" charset="0"/>
-                <a:cs typeface="Times New Roman" panose="02020603050405020304" pitchFamily="18" charset="0"/>
-              </a:rPr>
-              <a:t>Abschluss</a:t>
-            </a:r>
-            <a:r>
-              <a:rPr lang="en-US" sz="2600">
-                <a:effectLst/>
-                <a:latin typeface="Calibri" panose="020F0502020204030204" pitchFamily="34" charset="0"/>
-                <a:ea typeface="Calibri" panose="020F0502020204030204" pitchFamily="34" charset="0"/>
-                <a:cs typeface="Times New Roman" panose="02020603050405020304" pitchFamily="18" charset="0"/>
-              </a:rPr>
-              <a:t>: Sprint Retro </a:t>
-            </a:r>
-            <a:endParaRPr lang="en-DE" sz="2600">
-              <a:effectLst/>
-              <a:latin typeface="Calibri" panose="020F0502020204030204" pitchFamily="34" charset="0"/>
-              <a:ea typeface="Calibri" panose="020F0502020204030204" pitchFamily="34" charset="0"/>
-              <a:cs typeface="Times New Roman" panose="02020603050405020304" pitchFamily="18" charset="0"/>
-            </a:endParaRPr>
-          </a:p>
-          <a:p>
-            <a:pPr marL="0" indent="0">
-              <a:buNone/>
-            </a:pPr>
-            <a:endParaRPr lang="en-DE" sz="1800"/>
-          </a:p>
-        </p:txBody>
-      </p:sp>
-      <p:sp>
-        <p:nvSpPr>
-          <p:cNvPr id="7" name="Text Placeholder 6">
+            <p:ph type="dt" sz="half" idx="10"/>
+          </p:nvPr>
+        </p:nvSpPr>
+        <p:spPr/>
+        <p:txBody>
+          <a:bodyPr/>
+          <a:lstStyle/>
+          <a:p>
+            <a:r>
+              <a:rPr lang="en-DE"/>
+              <a:t>&lt;/&gt; | ShireTec</a:t>
+            </a:r>
+          </a:p>
+        </p:txBody>
+      </p:sp>
+      <p:sp>
+        <p:nvSpPr>
+          <p:cNvPr id="4" name="Slide Number Placeholder 3">
             <a:extLst>
               <a:ext uri="{FF2B5EF4-FFF2-40B4-BE49-F238E27FC236}">
-                <a16:creationId xmlns:a16="http://schemas.microsoft.com/office/drawing/2014/main" id="{461079F5-F7EE-40D3-8765-58175B07D3D9}"/>
-              </a:ext>
-            </a:extLst>
-          </p:cNvPr>
-          <p:cNvSpPr>
-            <a:spLocks noGrp="1"/>
-          </p:cNvSpPr>
-          <p:nvPr>
-            <p:ph type="body" sz="quarter" idx="3"/>
-          </p:nvPr>
-        </p:nvSpPr>
-        <p:spPr/>
-        <p:txBody>
-          <a:bodyPr>
-            <a:normAutofit/>
-          </a:bodyPr>
-          <a:lstStyle/>
-          <a:p>
-            <a:pPr marL="0" lvl="0" indent="0">
-              <a:lnSpc>
-                <a:spcPct val="107000"/>
-              </a:lnSpc>
-              <a:buNone/>
-              <a:tabLst>
-                <a:tab pos="457200" algn="l"/>
-              </a:tabLst>
-            </a:pPr>
-            <a:r>
-              <a:rPr lang="en-GB" sz="2800" b="1">
-                <a:latin typeface="Calibri" panose="020F0502020204030204" pitchFamily="34" charset="0"/>
-                <a:ea typeface="Calibri" panose="020F0502020204030204" pitchFamily="34" charset="0"/>
-                <a:cs typeface="Times New Roman" panose="02020603050405020304" pitchFamily="18" charset="0"/>
-              </a:rPr>
-              <a:t>Artefakte</a:t>
-            </a:r>
-          </a:p>
-        </p:txBody>
-      </p:sp>
-      <p:sp>
-        <p:nvSpPr>
-          <p:cNvPr id="8" name="Content Placeholder 7">
-            <a:extLst>
-              <a:ext uri="{FF2B5EF4-FFF2-40B4-BE49-F238E27FC236}">
-                <a16:creationId xmlns:a16="http://schemas.microsoft.com/office/drawing/2014/main" id="{92ED28F0-BDC5-432D-8AE1-F4E36574741C}"/>
-              </a:ext>
-            </a:extLst>
-          </p:cNvPr>
-          <p:cNvSpPr>
-            <a:spLocks noGrp="1"/>
-          </p:cNvSpPr>
-          <p:nvPr>
-            <p:ph sz="quarter" idx="4"/>
-          </p:nvPr>
-        </p:nvSpPr>
-        <p:spPr/>
-        <p:txBody>
-          <a:bodyPr vert="horz" lIns="91440" tIns="45720" rIns="91440" bIns="45720" rtlCol="0" anchor="t">
-            <a:normAutofit fontScale="92500" lnSpcReduction="20000"/>
-          </a:bodyPr>
-          <a:lstStyle/>
-          <a:p>
-            <a:pPr marL="342900" lvl="0" indent="-342900">
-              <a:lnSpc>
-                <a:spcPct val="107000"/>
-              </a:lnSpc>
-              <a:buFont typeface="Symbol" panose="05050102010706020507" pitchFamily="18" charset="2"/>
-              <a:buChar char=""/>
-              <a:tabLst>
-                <a:tab pos="457200" algn="l"/>
-              </a:tabLst>
-            </a:pPr>
-            <a:r>
-              <a:rPr lang="en-GB" sz="2600">
-                <a:effectLst/>
-                <a:latin typeface="Calibri"/>
-                <a:ea typeface="Calibri" panose="020F0502020204030204" pitchFamily="34" charset="0"/>
-                <a:cs typeface="Times New Roman"/>
-              </a:rPr>
-              <a:t>Organisation </a:t>
-            </a:r>
-            <a:r>
-              <a:rPr lang="en-GB" sz="2600" err="1">
-                <a:effectLst/>
-                <a:latin typeface="Calibri"/>
-                <a:ea typeface="Calibri" panose="020F0502020204030204" pitchFamily="34" charset="0"/>
-                <a:cs typeface="Times New Roman"/>
-              </a:rPr>
-              <a:t>über</a:t>
-            </a:r>
-            <a:r>
-              <a:rPr lang="en-GB" sz="2600">
-                <a:effectLst/>
-                <a:latin typeface="Calibri"/>
-                <a:ea typeface="Calibri" panose="020F0502020204030204" pitchFamily="34" charset="0"/>
-                <a:cs typeface="Times New Roman"/>
-              </a:rPr>
-              <a:t> </a:t>
-            </a:r>
-            <a:r>
-              <a:rPr lang="en-GB" sz="2600">
-                <a:latin typeface="Calibri"/>
-                <a:ea typeface="Calibri" panose="020F0502020204030204" pitchFamily="34" charset="0"/>
-                <a:cs typeface="Times New Roman"/>
-              </a:rPr>
-              <a:t>Kanban-Board</a:t>
-            </a:r>
-            <a:r>
-              <a:rPr lang="en-GB" sz="2600">
-                <a:effectLst/>
-                <a:latin typeface="Calibri"/>
-                <a:ea typeface="Calibri" panose="020F0502020204030204" pitchFamily="34" charset="0"/>
-                <a:cs typeface="Times New Roman"/>
-              </a:rPr>
-              <a:t> </a:t>
-            </a:r>
-            <a:br>
-              <a:rPr lang="en-GB" sz="2600">
-                <a:effectLst/>
-                <a:latin typeface="Calibri" panose="020F0502020204030204" pitchFamily="34" charset="0"/>
-                <a:ea typeface="Calibri" panose="020F0502020204030204" pitchFamily="34" charset="0"/>
-                <a:cs typeface="Times New Roman" panose="02020603050405020304" pitchFamily="18" charset="0"/>
-              </a:rPr>
-            </a:br>
-            <a:endParaRPr lang="en-GB" sz="1800">
-              <a:latin typeface="Calibri" panose="020F0502020204030204" pitchFamily="34" charset="0"/>
-              <a:ea typeface="Calibri" panose="020F0502020204030204" pitchFamily="34" charset="0"/>
-              <a:cs typeface="Times New Roman" panose="02020603050405020304" pitchFamily="18" charset="0"/>
-            </a:endParaRPr>
-          </a:p>
-          <a:p>
-            <a:pPr marL="0" lvl="0" indent="0">
-              <a:lnSpc>
-                <a:spcPct val="107000"/>
-              </a:lnSpc>
-              <a:buNone/>
-              <a:tabLst>
-                <a:tab pos="457200" algn="l"/>
-              </a:tabLst>
-            </a:pPr>
-            <a:r>
-              <a:rPr lang="en-GB" sz="3000" b="1">
-                <a:latin typeface="Calibri" panose="020F0502020204030204" pitchFamily="34" charset="0"/>
-                <a:ea typeface="Calibri" panose="020F0502020204030204" pitchFamily="34" charset="0"/>
-                <a:cs typeface="Times New Roman" panose="02020603050405020304" pitchFamily="18" charset="0"/>
-              </a:rPr>
-              <a:t>Rollen</a:t>
-            </a:r>
-          </a:p>
-          <a:p>
-            <a:pPr marL="342900" lvl="0" indent="-342900">
-              <a:lnSpc>
-                <a:spcPct val="107000"/>
-              </a:lnSpc>
-              <a:buFont typeface="Symbol" panose="05050102010706020507" pitchFamily="18" charset="2"/>
-              <a:buChar char=""/>
-              <a:tabLst>
-                <a:tab pos="457200" algn="l"/>
-              </a:tabLst>
-            </a:pPr>
-            <a:r>
-              <a:rPr lang="en-GB" sz="2600">
-                <a:effectLst/>
-                <a:latin typeface="Calibri" panose="020F0502020204030204" pitchFamily="34" charset="0"/>
-                <a:ea typeface="Calibri" panose="020F0502020204030204" pitchFamily="34" charset="0"/>
-                <a:cs typeface="Times New Roman" panose="02020603050405020304" pitchFamily="18" charset="0"/>
-              </a:rPr>
-              <a:t>Scrum Master: Jana</a:t>
-            </a:r>
-            <a:endParaRPr lang="en-DE" sz="2600">
-              <a:effectLst/>
-              <a:latin typeface="Calibri" panose="020F0502020204030204" pitchFamily="34" charset="0"/>
-              <a:ea typeface="Calibri" panose="020F0502020204030204" pitchFamily="34" charset="0"/>
-              <a:cs typeface="Times New Roman" panose="02020603050405020304" pitchFamily="18" charset="0"/>
-            </a:endParaRPr>
-          </a:p>
-          <a:p>
-            <a:pPr marL="342900" lvl="0" indent="-342900">
-              <a:lnSpc>
-                <a:spcPct val="107000"/>
-              </a:lnSpc>
-              <a:buFont typeface="Symbol" panose="05050102010706020507" pitchFamily="18" charset="2"/>
-              <a:buChar char=""/>
-              <a:tabLst>
-                <a:tab pos="457200" algn="l"/>
-              </a:tabLst>
-            </a:pPr>
-            <a:r>
-              <a:rPr lang="en-GB" sz="2600">
-                <a:effectLst/>
-                <a:latin typeface="Calibri" panose="020F0502020204030204" pitchFamily="34" charset="0"/>
-                <a:ea typeface="Calibri" panose="020F0502020204030204" pitchFamily="34" charset="0"/>
-                <a:cs typeface="Times New Roman" panose="02020603050405020304" pitchFamily="18" charset="0"/>
-              </a:rPr>
-              <a:t>Product Owner: Valentin</a:t>
-            </a:r>
-            <a:endParaRPr lang="en-DE" sz="2600">
-              <a:effectLst/>
-              <a:latin typeface="Calibri" panose="020F0502020204030204" pitchFamily="34" charset="0"/>
-              <a:ea typeface="Calibri" panose="020F0502020204030204" pitchFamily="34" charset="0"/>
-              <a:cs typeface="Times New Roman" panose="02020603050405020304" pitchFamily="18" charset="0"/>
-            </a:endParaRPr>
-          </a:p>
-          <a:p>
-            <a:pPr marL="342900" lvl="0" indent="-342900">
-              <a:lnSpc>
-                <a:spcPct val="107000"/>
-              </a:lnSpc>
-              <a:buFont typeface="Symbol" panose="05050102010706020507" pitchFamily="18" charset="2"/>
-              <a:buChar char=""/>
-              <a:tabLst>
-                <a:tab pos="457200" algn="l"/>
-              </a:tabLst>
-            </a:pPr>
-            <a:r>
-              <a:rPr lang="en-GB" sz="2600">
-                <a:effectLst/>
-                <a:latin typeface="Calibri" panose="020F0502020204030204" pitchFamily="34" charset="0"/>
-                <a:ea typeface="Calibri" panose="020F0502020204030204" pitchFamily="34" charset="0"/>
-                <a:cs typeface="Times New Roman" panose="02020603050405020304" pitchFamily="18" charset="0"/>
-              </a:rPr>
-              <a:t>Sales: Caro</a:t>
-            </a:r>
-            <a:endParaRPr lang="en-DE" sz="2600">
-              <a:effectLst/>
-              <a:latin typeface="Calibri" panose="020F0502020204030204" pitchFamily="34" charset="0"/>
-              <a:ea typeface="Calibri" panose="020F0502020204030204" pitchFamily="34" charset="0"/>
-              <a:cs typeface="Times New Roman" panose="02020603050405020304" pitchFamily="18" charset="0"/>
-            </a:endParaRPr>
-          </a:p>
-          <a:p>
-            <a:pPr marL="342900" lvl="0" indent="-342900">
-              <a:lnSpc>
-                <a:spcPct val="107000"/>
-              </a:lnSpc>
-              <a:buFont typeface="Symbol" panose="05050102010706020507" pitchFamily="18" charset="2"/>
-              <a:buChar char=""/>
-              <a:tabLst>
-                <a:tab pos="457200" algn="l"/>
-              </a:tabLst>
-            </a:pPr>
-            <a:r>
-              <a:rPr lang="en-GB" sz="2600">
-                <a:effectLst/>
-                <a:latin typeface="Calibri" panose="020F0502020204030204" pitchFamily="34" charset="0"/>
-                <a:ea typeface="Calibri" panose="020F0502020204030204" pitchFamily="34" charset="0"/>
-                <a:cs typeface="Times New Roman" panose="02020603050405020304" pitchFamily="18" charset="0"/>
-              </a:rPr>
-              <a:t>Developers: Valentin, André, Jana, Caro</a:t>
-            </a:r>
-            <a:endParaRPr lang="en-DE" sz="2600">
-              <a:effectLst/>
-              <a:latin typeface="Calibri" panose="020F0502020204030204" pitchFamily="34" charset="0"/>
-              <a:ea typeface="Calibri" panose="020F0502020204030204" pitchFamily="34" charset="0"/>
-              <a:cs typeface="Times New Roman" panose="02020603050405020304" pitchFamily="18" charset="0"/>
-            </a:endParaRPr>
-          </a:p>
-          <a:p>
-            <a:pPr marL="342900" lvl="0" indent="-342900">
-              <a:lnSpc>
-                <a:spcPct val="107000"/>
-              </a:lnSpc>
-              <a:buFont typeface="Symbol" panose="05050102010706020507" pitchFamily="18" charset="2"/>
-              <a:buChar char=""/>
-              <a:tabLst>
-                <a:tab pos="457200" algn="l"/>
-              </a:tabLst>
-            </a:pPr>
-            <a:r>
-              <a:rPr lang="en-GB" sz="2600">
-                <a:effectLst/>
-                <a:latin typeface="Calibri" panose="020F0502020204030204" pitchFamily="34" charset="0"/>
-                <a:ea typeface="Calibri" panose="020F0502020204030204" pitchFamily="34" charset="0"/>
-                <a:cs typeface="Times New Roman" panose="02020603050405020304" pitchFamily="18" charset="0"/>
-              </a:rPr>
-              <a:t>Architect: André</a:t>
-            </a:r>
-          </a:p>
-          <a:p>
-            <a:pPr marL="0" lvl="0" indent="0">
-              <a:lnSpc>
-                <a:spcPct val="107000"/>
-              </a:lnSpc>
-              <a:buNone/>
-              <a:tabLst>
-                <a:tab pos="457200" algn="l"/>
-              </a:tabLst>
-            </a:pPr>
-            <a:endParaRPr lang="en-GB" sz="1800">
-              <a:latin typeface="Calibri" panose="020F0502020204030204" pitchFamily="34" charset="0"/>
-              <a:ea typeface="Calibri" panose="020F0502020204030204" pitchFamily="34" charset="0"/>
-              <a:cs typeface="Times New Roman" panose="02020603050405020304" pitchFamily="18" charset="0"/>
-            </a:endParaRPr>
-          </a:p>
-        </p:txBody>
-      </p:sp>
-      <p:sp>
-        <p:nvSpPr>
-          <p:cNvPr id="12" name="Date Placeholder 11">
-            <a:extLst>
-              <a:ext uri="{FF2B5EF4-FFF2-40B4-BE49-F238E27FC236}">
-                <a16:creationId xmlns:a16="http://schemas.microsoft.com/office/drawing/2014/main" id="{A9D1CCCF-122B-424B-872C-AFDF279520A1}"/>
-              </a:ext>
-            </a:extLst>
-          </p:cNvPr>
-          <p:cNvSpPr>
-            <a:spLocks noGrp="1"/>
-          </p:cNvSpPr>
-          <p:nvPr>
-            <p:ph type="dt" sz="half" idx="10"/>
-          </p:nvPr>
-        </p:nvSpPr>
-        <p:spPr/>
-        <p:txBody>
-          <a:bodyPr/>
-          <a:lstStyle/>
-          <a:p>
-            <a:r>
-              <a:rPr lang="en-DE"/>
-              <a:t>&lt;/&gt; | ShireTec</a:t>
-            </a:r>
-          </a:p>
-        </p:txBody>
-      </p:sp>
-      <p:sp>
-        <p:nvSpPr>
-          <p:cNvPr id="13" name="Slide Number Placeholder 12">
-            <a:extLst>
-              <a:ext uri="{FF2B5EF4-FFF2-40B4-BE49-F238E27FC236}">
-                <a16:creationId xmlns:a16="http://schemas.microsoft.com/office/drawing/2014/main" id="{546C958E-1665-4F2A-A074-E099B6144D74}"/>
+                <a16:creationId xmlns:a16="http://schemas.microsoft.com/office/drawing/2014/main" id="{63B965FD-781A-43F9-9733-2EDF941CEE8D}"/>
               </a:ext>
             </a:extLst>
           </p:cNvPr>
@@ -12839,7 +12524,7 @@
     </p:spTree>
     <p:extLst>
       <p:ext uri="{BB962C8B-B14F-4D97-AF65-F5344CB8AC3E}">
-        <p14:creationId xmlns:p14="http://schemas.microsoft.com/office/powerpoint/2010/main" val="1395693819"/>
+        <p14:creationId xmlns:p14="http://schemas.microsoft.com/office/powerpoint/2010/main" val="460978704"/>
       </p:ext>
     </p:extLst>
   </p:cSld>
@@ -12868,6 +12553,1182 @@
       </p:grpSpPr>
       <p:sp>
         <p:nvSpPr>
+          <p:cNvPr id="6" name="Title 5">
+            <a:extLst>
+              <a:ext uri="{FF2B5EF4-FFF2-40B4-BE49-F238E27FC236}">
+                <a16:creationId xmlns:a16="http://schemas.microsoft.com/office/drawing/2014/main" id="{92535F63-EE83-4831-997F-36252702CAA9}"/>
+              </a:ext>
+            </a:extLst>
+          </p:cNvPr>
+          <p:cNvSpPr>
+            <a:spLocks noGrp="1"/>
+          </p:cNvSpPr>
+          <p:nvPr>
+            <p:ph type="ctrTitle"/>
+          </p:nvPr>
+        </p:nvSpPr>
+        <p:spPr/>
+        <p:txBody>
+          <a:bodyPr/>
+          <a:lstStyle/>
+          <a:p>
+            <a:r>
+              <a:rPr lang="de-DE"/>
+              <a:t>Interne Umsetzung</a:t>
+            </a:r>
+            <a:endParaRPr lang="en-DE"/>
+          </a:p>
+        </p:txBody>
+      </p:sp>
+      <p:sp>
+        <p:nvSpPr>
+          <p:cNvPr id="7" name="Subtitle 6">
+            <a:extLst>
+              <a:ext uri="{FF2B5EF4-FFF2-40B4-BE49-F238E27FC236}">
+                <a16:creationId xmlns:a16="http://schemas.microsoft.com/office/drawing/2014/main" id="{99875289-CB13-4837-8FBC-86BEBFE068A9}"/>
+              </a:ext>
+            </a:extLst>
+          </p:cNvPr>
+          <p:cNvSpPr>
+            <a:spLocks noGrp="1"/>
+          </p:cNvSpPr>
+          <p:nvPr>
+            <p:ph type="subTitle" idx="1"/>
+          </p:nvPr>
+        </p:nvSpPr>
+        <p:spPr/>
+        <p:txBody>
+          <a:bodyPr/>
+          <a:lstStyle/>
+          <a:p>
+            <a:endParaRPr lang="en-DE"/>
+          </a:p>
+        </p:txBody>
+      </p:sp>
+      <p:sp>
+        <p:nvSpPr>
+          <p:cNvPr id="4" name="Date Placeholder 3">
+            <a:extLst>
+              <a:ext uri="{FF2B5EF4-FFF2-40B4-BE49-F238E27FC236}">
+                <a16:creationId xmlns:a16="http://schemas.microsoft.com/office/drawing/2014/main" id="{4B136B6C-538D-4321-8B7A-4883F01BB719}"/>
+              </a:ext>
+            </a:extLst>
+          </p:cNvPr>
+          <p:cNvSpPr>
+            <a:spLocks noGrp="1"/>
+          </p:cNvSpPr>
+          <p:nvPr>
+            <p:ph type="dt" sz="half" idx="10"/>
+          </p:nvPr>
+        </p:nvSpPr>
+        <p:spPr/>
+        <p:txBody>
+          <a:bodyPr/>
+          <a:lstStyle/>
+          <a:p>
+            <a:r>
+              <a:rPr lang="en-DE"/>
+              <a:t>&lt;/&gt; | ShireTec</a:t>
+            </a:r>
+          </a:p>
+        </p:txBody>
+      </p:sp>
+      <p:sp>
+        <p:nvSpPr>
+          <p:cNvPr id="5" name="Slide Number Placeholder 4">
+            <a:extLst>
+              <a:ext uri="{FF2B5EF4-FFF2-40B4-BE49-F238E27FC236}">
+                <a16:creationId xmlns:a16="http://schemas.microsoft.com/office/drawing/2014/main" id="{91C41152-A726-4362-AB72-6A8265E456F8}"/>
+              </a:ext>
+            </a:extLst>
+          </p:cNvPr>
+          <p:cNvSpPr>
+            <a:spLocks noGrp="1"/>
+          </p:cNvSpPr>
+          <p:nvPr>
+            <p:ph type="sldNum" sz="quarter" idx="12"/>
+          </p:nvPr>
+        </p:nvSpPr>
+        <p:spPr/>
+        <p:txBody>
+          <a:bodyPr/>
+          <a:lstStyle/>
+          <a:p>
+            <a:fld id="{330EA680-D336-4FF7-8B7A-9848BB0A1C32}" type="slidenum">
+              <a:rPr lang="en-US" smtClean="0"/>
+              <a:pPr/>
+              <a:t>18</a:t>
+            </a:fld>
+            <a:endParaRPr lang="en-DE"/>
+          </a:p>
+        </p:txBody>
+      </p:sp>
+    </p:spTree>
+    <p:extLst>
+      <p:ext uri="{BB962C8B-B14F-4D97-AF65-F5344CB8AC3E}">
+        <p14:creationId xmlns:p14="http://schemas.microsoft.com/office/powerpoint/2010/main" val="2756825684"/>
+      </p:ext>
+    </p:extLst>
+  </p:cSld>
+  <p:clrMapOvr>
+    <a:masterClrMapping/>
+  </p:clrMapOvr>
+</p:sld>
+</file>
+
+<file path=ppt/slides/slide19.xml><?xml version="1.0" encoding="utf-8"?>
+<p:sld xmlns:a="http://schemas.openxmlformats.org/drawingml/2006/main" xmlns:r="http://schemas.openxmlformats.org/officeDocument/2006/relationships" xmlns:p="http://schemas.openxmlformats.org/presentationml/2006/main">
+  <p:cSld>
+    <p:spTree>
+      <p:nvGrpSpPr>
+        <p:cNvPr id="1" name=""/>
+        <p:cNvGrpSpPr/>
+        <p:nvPr/>
+      </p:nvGrpSpPr>
+      <p:grpSpPr>
+        <a:xfrm>
+          <a:off x="0" y="0"/>
+          <a:ext cx="0" cy="0"/>
+          <a:chOff x="0" y="0"/>
+          <a:chExt cx="0" cy="0"/>
+        </a:xfrm>
+      </p:grpSpPr>
+      <p:sp>
+        <p:nvSpPr>
+          <p:cNvPr id="7" name="Title 6">
+            <a:extLst>
+              <a:ext uri="{FF2B5EF4-FFF2-40B4-BE49-F238E27FC236}">
+                <a16:creationId xmlns:a16="http://schemas.microsoft.com/office/drawing/2014/main" id="{785E359D-979D-48C5-89D2-EE2A79E7F4F9}"/>
+              </a:ext>
+            </a:extLst>
+          </p:cNvPr>
+          <p:cNvSpPr>
+            <a:spLocks noGrp="1"/>
+          </p:cNvSpPr>
+          <p:nvPr>
+            <p:ph type="title"/>
+          </p:nvPr>
+        </p:nvSpPr>
+        <p:spPr/>
+        <p:txBody>
+          <a:bodyPr/>
+          <a:lstStyle/>
+          <a:p>
+            <a:r>
+              <a:rPr lang="de-DE"/>
+              <a:t>Agenda – Interne Umsetzung</a:t>
+            </a:r>
+            <a:endParaRPr lang="en-DE"/>
+          </a:p>
+        </p:txBody>
+      </p:sp>
+      <p:sp>
+        <p:nvSpPr>
+          <p:cNvPr id="11" name="Content Placeholder 10">
+            <a:extLst>
+              <a:ext uri="{FF2B5EF4-FFF2-40B4-BE49-F238E27FC236}">
+                <a16:creationId xmlns:a16="http://schemas.microsoft.com/office/drawing/2014/main" id="{3E4F0537-F1E1-4423-ACFC-426945928EFD}"/>
+              </a:ext>
+            </a:extLst>
+          </p:cNvPr>
+          <p:cNvSpPr>
+            <a:spLocks noGrp="1"/>
+          </p:cNvSpPr>
+          <p:nvPr>
+            <p:ph idx="1"/>
+          </p:nvPr>
+        </p:nvSpPr>
+        <p:spPr/>
+        <p:txBody>
+          <a:bodyPr>
+            <a:normAutofit fontScale="85000" lnSpcReduction="20000"/>
+          </a:bodyPr>
+          <a:lstStyle/>
+          <a:p>
+            <a:r>
+              <a:rPr lang="de-DE"/>
+              <a:t>Arbeitsweise </a:t>
+            </a:r>
+            <a:r>
+              <a:rPr lang="de-DE">
+                <a:sym typeface="Wingdings" panose="05000000000000000000" pitchFamily="2" charset="2"/>
+              </a:rPr>
+              <a:t>– Scrum</a:t>
+            </a:r>
+          </a:p>
+          <a:p>
+            <a:r>
+              <a:rPr lang="en-GB"/>
+              <a:t>Risikoklassifizierung &amp; -analyse</a:t>
+            </a:r>
+          </a:p>
+          <a:p>
+            <a:r>
+              <a:rPr lang="en-GB"/>
+              <a:t>Datensätze</a:t>
+            </a:r>
+          </a:p>
+          <a:p>
+            <a:r>
+              <a:rPr lang="en-GB"/>
+              <a:t>Ereignis-Reaktionsmodell</a:t>
+            </a:r>
+          </a:p>
+          <a:p>
+            <a:r>
+              <a:rPr lang="en-GB"/>
+              <a:t>Use-Case-Schablone</a:t>
+            </a:r>
+          </a:p>
+          <a:p>
+            <a:r>
+              <a:rPr lang="en-GB"/>
+              <a:t>Aktivitätsdiagramm</a:t>
+            </a:r>
+          </a:p>
+          <a:p>
+            <a:r>
+              <a:rPr lang="en-GB"/>
+              <a:t>Architektur</a:t>
+            </a:r>
+          </a:p>
+          <a:p>
+            <a:r>
+              <a:rPr lang="en-GB"/>
+              <a:t>Entscheidungstabelle</a:t>
+            </a:r>
+          </a:p>
+          <a:p>
+            <a:r>
+              <a:rPr lang="en-GB"/>
+              <a:t>Algorithmenbeschreibung</a:t>
+            </a:r>
+          </a:p>
+          <a:p>
+            <a:r>
+              <a:rPr lang="en-GB"/>
+              <a:t>Tensorflow Modelle</a:t>
+            </a:r>
+          </a:p>
+          <a:p>
+            <a:r>
+              <a:rPr lang="en-GB"/>
+              <a:t>Explainable AI</a:t>
+            </a:r>
+          </a:p>
+          <a:p>
+            <a:endParaRPr lang="en-GB"/>
+          </a:p>
+          <a:p>
+            <a:endParaRPr lang="de-DE">
+              <a:sym typeface="Wingdings" panose="05000000000000000000" pitchFamily="2" charset="2"/>
+            </a:endParaRPr>
+          </a:p>
+          <a:p>
+            <a:endParaRPr lang="en-DE"/>
+          </a:p>
+        </p:txBody>
+      </p:sp>
+      <p:sp>
+        <p:nvSpPr>
+          <p:cNvPr id="9" name="Date Placeholder 8">
+            <a:extLst>
+              <a:ext uri="{FF2B5EF4-FFF2-40B4-BE49-F238E27FC236}">
+                <a16:creationId xmlns:a16="http://schemas.microsoft.com/office/drawing/2014/main" id="{70E17900-3E36-496C-BE95-CE605F62DCB6}"/>
+              </a:ext>
+            </a:extLst>
+          </p:cNvPr>
+          <p:cNvSpPr>
+            <a:spLocks noGrp="1"/>
+          </p:cNvSpPr>
+          <p:nvPr>
+            <p:ph type="dt" sz="half" idx="10"/>
+          </p:nvPr>
+        </p:nvSpPr>
+        <p:spPr/>
+        <p:txBody>
+          <a:bodyPr/>
+          <a:lstStyle/>
+          <a:p>
+            <a:r>
+              <a:rPr lang="en-DE"/>
+              <a:t>&lt;/&gt; | ShireTec</a:t>
+            </a:r>
+          </a:p>
+        </p:txBody>
+      </p:sp>
+      <p:sp>
+        <p:nvSpPr>
+          <p:cNvPr id="10" name="Slide Number Placeholder 9">
+            <a:extLst>
+              <a:ext uri="{FF2B5EF4-FFF2-40B4-BE49-F238E27FC236}">
+                <a16:creationId xmlns:a16="http://schemas.microsoft.com/office/drawing/2014/main" id="{20806444-FBA9-4A29-85D5-C2D7E9AA8FBE}"/>
+              </a:ext>
+            </a:extLst>
+          </p:cNvPr>
+          <p:cNvSpPr>
+            <a:spLocks noGrp="1"/>
+          </p:cNvSpPr>
+          <p:nvPr>
+            <p:ph type="sldNum" sz="quarter" idx="12"/>
+          </p:nvPr>
+        </p:nvSpPr>
+        <p:spPr/>
+        <p:txBody>
+          <a:bodyPr/>
+          <a:lstStyle/>
+          <a:p>
+            <a:fld id="{330EA680-D336-4FF7-8B7A-9848BB0A1C32}" type="slidenum">
+              <a:rPr lang="en-US" smtClean="0"/>
+              <a:pPr/>
+              <a:t>19</a:t>
+            </a:fld>
+            <a:endParaRPr lang="en-DE"/>
+          </a:p>
+        </p:txBody>
+      </p:sp>
+    </p:spTree>
+    <p:extLst>
+      <p:ext uri="{BB962C8B-B14F-4D97-AF65-F5344CB8AC3E}">
+        <p14:creationId xmlns:p14="http://schemas.microsoft.com/office/powerpoint/2010/main" val="841560677"/>
+      </p:ext>
+    </p:extLst>
+  </p:cSld>
+  <p:clrMapOvr>
+    <a:masterClrMapping/>
+  </p:clrMapOvr>
+</p:sld>
+</file>
+
+<file path=ppt/slides/slide2.xml><?xml version="1.0" encoding="utf-8"?>
+<p:sld xmlns:a="http://schemas.openxmlformats.org/drawingml/2006/main" xmlns:r="http://schemas.openxmlformats.org/officeDocument/2006/relationships" xmlns:p="http://schemas.openxmlformats.org/presentationml/2006/main">
+  <p:cSld>
+    <p:spTree>
+      <p:nvGrpSpPr>
+        <p:cNvPr id="1" name=""/>
+        <p:cNvGrpSpPr/>
+        <p:nvPr/>
+      </p:nvGrpSpPr>
+      <p:grpSpPr>
+        <a:xfrm>
+          <a:off x="0" y="0"/>
+          <a:ext cx="0" cy="0"/>
+          <a:chOff x="0" y="0"/>
+          <a:chExt cx="0" cy="0"/>
+        </a:xfrm>
+      </p:grpSpPr>
+      <p:sp>
+        <p:nvSpPr>
+          <p:cNvPr id="2" name="Title 1">
+            <a:extLst>
+              <a:ext uri="{FF2B5EF4-FFF2-40B4-BE49-F238E27FC236}">
+                <a16:creationId xmlns:a16="http://schemas.microsoft.com/office/drawing/2014/main" id="{7FF6E559-321A-4C9F-82C7-1B14C5FB5189}"/>
+              </a:ext>
+            </a:extLst>
+          </p:cNvPr>
+          <p:cNvSpPr>
+            <a:spLocks noGrp="1"/>
+          </p:cNvSpPr>
+          <p:nvPr>
+            <p:ph type="title"/>
+          </p:nvPr>
+        </p:nvSpPr>
+        <p:spPr/>
+        <p:txBody>
+          <a:bodyPr/>
+          <a:lstStyle/>
+          <a:p>
+            <a:r>
+              <a:rPr lang="en-US"/>
+              <a:t>Agenda</a:t>
+            </a:r>
+            <a:endParaRPr lang="en-DE"/>
+          </a:p>
+        </p:txBody>
+      </p:sp>
+      <p:sp>
+        <p:nvSpPr>
+          <p:cNvPr id="3" name="Content Placeholder 2">
+            <a:extLst>
+              <a:ext uri="{FF2B5EF4-FFF2-40B4-BE49-F238E27FC236}">
+                <a16:creationId xmlns:a16="http://schemas.microsoft.com/office/drawing/2014/main" id="{27879402-FFB1-4926-99B2-898C8B83A30C}"/>
+              </a:ext>
+            </a:extLst>
+          </p:cNvPr>
+          <p:cNvSpPr>
+            <a:spLocks noGrp="1"/>
+          </p:cNvSpPr>
+          <p:nvPr>
+            <p:ph idx="1"/>
+          </p:nvPr>
+        </p:nvSpPr>
+        <p:spPr/>
+        <p:txBody>
+          <a:bodyPr vert="horz" lIns="91440" tIns="45720" rIns="91440" bIns="45720" rtlCol="0" anchor="t">
+            <a:normAutofit/>
+          </a:bodyPr>
+          <a:lstStyle/>
+          <a:p>
+            <a:r>
+              <a:rPr lang="en-US" sz="2400">
+                <a:cs typeface="Calibri"/>
+              </a:rPr>
+              <a:t>Produktpräsentation</a:t>
+            </a:r>
+          </a:p>
+          <a:p>
+            <a:endParaRPr lang="en-US" sz="1400">
+              <a:cs typeface="Calibri"/>
+            </a:endParaRPr>
+          </a:p>
+          <a:p>
+            <a:r>
+              <a:rPr lang="en-US" sz="2400">
+                <a:cs typeface="Calibri"/>
+              </a:rPr>
+              <a:t>Interne Umsetzung</a:t>
+            </a:r>
+          </a:p>
+        </p:txBody>
+      </p:sp>
+      <p:sp>
+        <p:nvSpPr>
+          <p:cNvPr id="9" name="Date Placeholder 8">
+            <a:extLst>
+              <a:ext uri="{FF2B5EF4-FFF2-40B4-BE49-F238E27FC236}">
+                <a16:creationId xmlns:a16="http://schemas.microsoft.com/office/drawing/2014/main" id="{EF3111CA-0161-4301-A6A8-2A3FA1A4DE84}"/>
+              </a:ext>
+            </a:extLst>
+          </p:cNvPr>
+          <p:cNvSpPr>
+            <a:spLocks noGrp="1"/>
+          </p:cNvSpPr>
+          <p:nvPr>
+            <p:ph type="dt" sz="half" idx="10"/>
+          </p:nvPr>
+        </p:nvSpPr>
+        <p:spPr/>
+        <p:txBody>
+          <a:bodyPr/>
+          <a:lstStyle/>
+          <a:p>
+            <a:r>
+              <a:rPr lang="en-DE"/>
+              <a:t>&lt;/&gt; | ShireTec</a:t>
+            </a:r>
+          </a:p>
+        </p:txBody>
+      </p:sp>
+      <p:sp>
+        <p:nvSpPr>
+          <p:cNvPr id="10" name="Slide Number Placeholder 9">
+            <a:extLst>
+              <a:ext uri="{FF2B5EF4-FFF2-40B4-BE49-F238E27FC236}">
+                <a16:creationId xmlns:a16="http://schemas.microsoft.com/office/drawing/2014/main" id="{4798AA60-3C24-4161-B744-2EB3576EAAB9}"/>
+              </a:ext>
+            </a:extLst>
+          </p:cNvPr>
+          <p:cNvSpPr>
+            <a:spLocks noGrp="1"/>
+          </p:cNvSpPr>
+          <p:nvPr>
+            <p:ph type="sldNum" sz="quarter" idx="12"/>
+          </p:nvPr>
+        </p:nvSpPr>
+        <p:spPr/>
+        <p:txBody>
+          <a:bodyPr/>
+          <a:lstStyle/>
+          <a:p>
+            <a:fld id="{330EA680-D336-4FF7-8B7A-9848BB0A1C32}" type="slidenum">
+              <a:rPr lang="en-US" smtClean="0"/>
+              <a:pPr/>
+              <a:t>2</a:t>
+            </a:fld>
+            <a:endParaRPr lang="en-DE"/>
+          </a:p>
+        </p:txBody>
+      </p:sp>
+    </p:spTree>
+    <p:extLst>
+      <p:ext uri="{BB962C8B-B14F-4D97-AF65-F5344CB8AC3E}">
+        <p14:creationId xmlns:p14="http://schemas.microsoft.com/office/powerpoint/2010/main" val="1471835945"/>
+      </p:ext>
+    </p:extLst>
+  </p:cSld>
+  <p:clrMapOvr>
+    <a:masterClrMapping/>
+  </p:clrMapOvr>
+</p:sld>
+</file>
+
+<file path=ppt/slides/slide20.xml><?xml version="1.0" encoding="utf-8"?>
+<p:sld xmlns:a="http://schemas.openxmlformats.org/drawingml/2006/main" xmlns:r="http://schemas.openxmlformats.org/officeDocument/2006/relationships" xmlns:p="http://schemas.openxmlformats.org/presentationml/2006/main">
+  <p:cSld>
+    <p:spTree>
+      <p:nvGrpSpPr>
+        <p:cNvPr id="1" name=""/>
+        <p:cNvGrpSpPr/>
+        <p:nvPr/>
+      </p:nvGrpSpPr>
+      <p:grpSpPr>
+        <a:xfrm>
+          <a:off x="0" y="0"/>
+          <a:ext cx="0" cy="0"/>
+          <a:chOff x="0" y="0"/>
+          <a:chExt cx="0" cy="0"/>
+        </a:xfrm>
+      </p:grpSpPr>
+      <p:sp>
+        <p:nvSpPr>
+          <p:cNvPr id="4" name="Title 3">
+            <a:extLst>
+              <a:ext uri="{FF2B5EF4-FFF2-40B4-BE49-F238E27FC236}">
+                <a16:creationId xmlns:a16="http://schemas.microsoft.com/office/drawing/2014/main" id="{F4459FF9-3D30-4E7F-AB75-0AC386B74068}"/>
+              </a:ext>
+            </a:extLst>
+          </p:cNvPr>
+          <p:cNvSpPr>
+            <a:spLocks noGrp="1"/>
+          </p:cNvSpPr>
+          <p:nvPr>
+            <p:ph type="title"/>
+          </p:nvPr>
+        </p:nvSpPr>
+        <p:spPr/>
+        <p:txBody>
+          <a:bodyPr/>
+          <a:lstStyle/>
+          <a:p>
+            <a:r>
+              <a:rPr lang="de-DE"/>
+              <a:t>Arbeitsweise </a:t>
+            </a:r>
+            <a:r>
+              <a:rPr lang="de-DE">
+                <a:sym typeface="Wingdings" panose="05000000000000000000" pitchFamily="2" charset="2"/>
+              </a:rPr>
+              <a:t>– S</a:t>
+            </a:r>
+            <a:r>
+              <a:rPr lang="de-DE"/>
+              <a:t>crum</a:t>
+            </a:r>
+            <a:endParaRPr lang="en-DE"/>
+          </a:p>
+        </p:txBody>
+      </p:sp>
+      <p:sp>
+        <p:nvSpPr>
+          <p:cNvPr id="5" name="Text Placeholder 4">
+            <a:extLst>
+              <a:ext uri="{FF2B5EF4-FFF2-40B4-BE49-F238E27FC236}">
+                <a16:creationId xmlns:a16="http://schemas.microsoft.com/office/drawing/2014/main" id="{C48EBEDE-43F8-4D20-AE75-C0418F99D708}"/>
+              </a:ext>
+            </a:extLst>
+          </p:cNvPr>
+          <p:cNvSpPr>
+            <a:spLocks noGrp="1"/>
+          </p:cNvSpPr>
+          <p:nvPr>
+            <p:ph type="body" idx="1"/>
+          </p:nvPr>
+        </p:nvSpPr>
+        <p:spPr/>
+        <p:txBody>
+          <a:bodyPr>
+            <a:normAutofit/>
+          </a:bodyPr>
+          <a:lstStyle/>
+          <a:p>
+            <a:r>
+              <a:rPr lang="de-DE" sz="2800"/>
+              <a:t>Sprint</a:t>
+            </a:r>
+            <a:endParaRPr lang="en-DE" sz="2800"/>
+          </a:p>
+        </p:txBody>
+      </p:sp>
+      <p:sp>
+        <p:nvSpPr>
+          <p:cNvPr id="6" name="Content Placeholder 5">
+            <a:extLst>
+              <a:ext uri="{FF2B5EF4-FFF2-40B4-BE49-F238E27FC236}">
+                <a16:creationId xmlns:a16="http://schemas.microsoft.com/office/drawing/2014/main" id="{AA99A519-B75D-4E96-BED3-B102E2636C13}"/>
+              </a:ext>
+            </a:extLst>
+          </p:cNvPr>
+          <p:cNvSpPr>
+            <a:spLocks noGrp="1"/>
+          </p:cNvSpPr>
+          <p:nvPr>
+            <p:ph sz="half" idx="2"/>
+          </p:nvPr>
+        </p:nvSpPr>
+        <p:spPr/>
+        <p:txBody>
+          <a:bodyPr>
+            <a:normAutofit fontScale="92500" lnSpcReduction="20000"/>
+          </a:bodyPr>
+          <a:lstStyle/>
+          <a:p>
+            <a:r>
+              <a:rPr lang="de-DE" sz="2600"/>
+              <a:t>1-8 Wochen</a:t>
+            </a:r>
+          </a:p>
+          <a:p>
+            <a:r>
+              <a:rPr lang="de-DE" sz="2600"/>
+              <a:t>Sprint Goal: nutzbares </a:t>
+            </a:r>
+            <a:r>
+              <a:rPr lang="de-DE" sz="2600" err="1"/>
+              <a:t>product</a:t>
+            </a:r>
+            <a:r>
+              <a:rPr lang="de-DE" sz="2600"/>
+              <a:t> </a:t>
+            </a:r>
+            <a:r>
+              <a:rPr lang="de-DE" sz="2600" err="1"/>
+              <a:t>increment</a:t>
+            </a:r>
+            <a:endParaRPr lang="de-DE" sz="2600"/>
+          </a:p>
+          <a:p>
+            <a:endParaRPr lang="de-DE" sz="1800"/>
+          </a:p>
+          <a:p>
+            <a:pPr marL="0" indent="0">
+              <a:buNone/>
+            </a:pPr>
+            <a:r>
+              <a:rPr lang="de-DE" sz="3000" b="1"/>
+              <a:t>Meetings je Sprint</a:t>
+            </a:r>
+          </a:p>
+          <a:p>
+            <a:pPr marL="342900" lvl="0" indent="-342900">
+              <a:lnSpc>
+                <a:spcPct val="107000"/>
+              </a:lnSpc>
+              <a:buFont typeface="Symbol" panose="05050102010706020507" pitchFamily="18" charset="2"/>
+              <a:buChar char=""/>
+            </a:pPr>
+            <a:r>
+              <a:rPr lang="de-DE" sz="2600">
+                <a:effectLst/>
+                <a:latin typeface="Calibri" panose="020F0502020204030204" pitchFamily="34" charset="0"/>
+                <a:ea typeface="Calibri" panose="020F0502020204030204" pitchFamily="34" charset="0"/>
+                <a:cs typeface="Times New Roman" panose="02020603050405020304" pitchFamily="18" charset="0"/>
+              </a:rPr>
+              <a:t>Beginn: Sprint </a:t>
+            </a:r>
+            <a:r>
+              <a:rPr lang="de-DE" sz="2600" err="1">
+                <a:effectLst/>
+                <a:latin typeface="Calibri" panose="020F0502020204030204" pitchFamily="34" charset="0"/>
+                <a:ea typeface="Calibri" panose="020F0502020204030204" pitchFamily="34" charset="0"/>
+                <a:cs typeface="Times New Roman" panose="02020603050405020304" pitchFamily="18" charset="0"/>
+              </a:rPr>
+              <a:t>Planning</a:t>
+            </a:r>
+            <a:endParaRPr lang="en-DE" sz="2600">
+              <a:effectLst/>
+              <a:latin typeface="Calibri" panose="020F0502020204030204" pitchFamily="34" charset="0"/>
+              <a:ea typeface="Calibri" panose="020F0502020204030204" pitchFamily="34" charset="0"/>
+              <a:cs typeface="Times New Roman" panose="02020603050405020304" pitchFamily="18" charset="0"/>
+            </a:endParaRPr>
+          </a:p>
+          <a:p>
+            <a:pPr marL="342900" lvl="0" indent="-342900">
+              <a:lnSpc>
+                <a:spcPct val="107000"/>
+              </a:lnSpc>
+              <a:buFont typeface="Symbol" panose="05050102010706020507" pitchFamily="18" charset="2"/>
+              <a:buChar char=""/>
+            </a:pPr>
+            <a:r>
+              <a:rPr lang="en-US" sz="2600">
+                <a:effectLst/>
+                <a:latin typeface="Calibri" panose="020F0502020204030204" pitchFamily="34" charset="0"/>
+                <a:ea typeface="Calibri" panose="020F0502020204030204" pitchFamily="34" charset="0"/>
+                <a:cs typeface="Times New Roman" panose="02020603050405020304" pitchFamily="18" charset="0"/>
+              </a:rPr>
+              <a:t>Sprint Daily (Daily Scrum ~ 15 Min)</a:t>
+            </a:r>
+            <a:endParaRPr lang="en-DE" sz="2600">
+              <a:effectLst/>
+              <a:latin typeface="Calibri" panose="020F0502020204030204" pitchFamily="34" charset="0"/>
+              <a:ea typeface="Calibri" panose="020F0502020204030204" pitchFamily="34" charset="0"/>
+              <a:cs typeface="Times New Roman" panose="02020603050405020304" pitchFamily="18" charset="0"/>
+            </a:endParaRPr>
+          </a:p>
+          <a:p>
+            <a:pPr marL="342900" lvl="0" indent="-342900">
+              <a:lnSpc>
+                <a:spcPct val="107000"/>
+              </a:lnSpc>
+              <a:buFont typeface="Symbol" panose="05050102010706020507" pitchFamily="18" charset="2"/>
+              <a:buChar char=""/>
+            </a:pPr>
+            <a:r>
+              <a:rPr lang="en-US" sz="2600" err="1">
+                <a:effectLst/>
+                <a:latin typeface="Calibri" panose="020F0502020204030204" pitchFamily="34" charset="0"/>
+                <a:ea typeface="Calibri" panose="020F0502020204030204" pitchFamily="34" charset="0"/>
+                <a:cs typeface="Times New Roman" panose="02020603050405020304" pitchFamily="18" charset="0"/>
+              </a:rPr>
+              <a:t>Abschluss</a:t>
+            </a:r>
+            <a:r>
+              <a:rPr lang="en-US" sz="2600">
+                <a:effectLst/>
+                <a:latin typeface="Calibri" panose="020F0502020204030204" pitchFamily="34" charset="0"/>
+                <a:ea typeface="Calibri" panose="020F0502020204030204" pitchFamily="34" charset="0"/>
+                <a:cs typeface="Times New Roman" panose="02020603050405020304" pitchFamily="18" charset="0"/>
+              </a:rPr>
+              <a:t>: Sprint Review</a:t>
+            </a:r>
+            <a:endParaRPr lang="en-DE" sz="2600">
+              <a:effectLst/>
+              <a:latin typeface="Calibri" panose="020F0502020204030204" pitchFamily="34" charset="0"/>
+              <a:ea typeface="Calibri" panose="020F0502020204030204" pitchFamily="34" charset="0"/>
+              <a:cs typeface="Times New Roman" panose="02020603050405020304" pitchFamily="18" charset="0"/>
+            </a:endParaRPr>
+          </a:p>
+          <a:p>
+            <a:pPr marL="342900" lvl="0" indent="-342900">
+              <a:lnSpc>
+                <a:spcPct val="107000"/>
+              </a:lnSpc>
+              <a:buFont typeface="Symbol" panose="05050102010706020507" pitchFamily="18" charset="2"/>
+              <a:buChar char=""/>
+            </a:pPr>
+            <a:r>
+              <a:rPr lang="en-US" sz="2600" err="1">
+                <a:effectLst/>
+                <a:latin typeface="Calibri" panose="020F0502020204030204" pitchFamily="34" charset="0"/>
+                <a:ea typeface="Calibri" panose="020F0502020204030204" pitchFamily="34" charset="0"/>
+                <a:cs typeface="Times New Roman" panose="02020603050405020304" pitchFamily="18" charset="0"/>
+              </a:rPr>
+              <a:t>Abschluss</a:t>
+            </a:r>
+            <a:r>
+              <a:rPr lang="en-US" sz="2600">
+                <a:effectLst/>
+                <a:latin typeface="Calibri" panose="020F0502020204030204" pitchFamily="34" charset="0"/>
+                <a:ea typeface="Calibri" panose="020F0502020204030204" pitchFamily="34" charset="0"/>
+                <a:cs typeface="Times New Roman" panose="02020603050405020304" pitchFamily="18" charset="0"/>
+              </a:rPr>
+              <a:t>: Sprint Retro </a:t>
+            </a:r>
+            <a:endParaRPr lang="en-DE" sz="2600">
+              <a:effectLst/>
+              <a:latin typeface="Calibri" panose="020F0502020204030204" pitchFamily="34" charset="0"/>
+              <a:ea typeface="Calibri" panose="020F0502020204030204" pitchFamily="34" charset="0"/>
+              <a:cs typeface="Times New Roman" panose="02020603050405020304" pitchFamily="18" charset="0"/>
+            </a:endParaRPr>
+          </a:p>
+          <a:p>
+            <a:pPr marL="0" indent="0">
+              <a:buNone/>
+            </a:pPr>
+            <a:endParaRPr lang="en-DE" sz="1800"/>
+          </a:p>
+        </p:txBody>
+      </p:sp>
+      <p:sp>
+        <p:nvSpPr>
+          <p:cNvPr id="7" name="Text Placeholder 6">
+            <a:extLst>
+              <a:ext uri="{FF2B5EF4-FFF2-40B4-BE49-F238E27FC236}">
+                <a16:creationId xmlns:a16="http://schemas.microsoft.com/office/drawing/2014/main" id="{461079F5-F7EE-40D3-8765-58175B07D3D9}"/>
+              </a:ext>
+            </a:extLst>
+          </p:cNvPr>
+          <p:cNvSpPr>
+            <a:spLocks noGrp="1"/>
+          </p:cNvSpPr>
+          <p:nvPr>
+            <p:ph type="body" sz="quarter" idx="3"/>
+          </p:nvPr>
+        </p:nvSpPr>
+        <p:spPr/>
+        <p:txBody>
+          <a:bodyPr>
+            <a:normAutofit/>
+          </a:bodyPr>
+          <a:lstStyle/>
+          <a:p>
+            <a:pPr marL="0" lvl="0" indent="0">
+              <a:lnSpc>
+                <a:spcPct val="107000"/>
+              </a:lnSpc>
+              <a:buNone/>
+              <a:tabLst>
+                <a:tab pos="457200" algn="l"/>
+              </a:tabLst>
+            </a:pPr>
+            <a:r>
+              <a:rPr lang="en-GB" sz="2800" b="1">
+                <a:latin typeface="Calibri" panose="020F0502020204030204" pitchFamily="34" charset="0"/>
+                <a:ea typeface="Calibri" panose="020F0502020204030204" pitchFamily="34" charset="0"/>
+                <a:cs typeface="Times New Roman" panose="02020603050405020304" pitchFamily="18" charset="0"/>
+              </a:rPr>
+              <a:t>Artefakte</a:t>
+            </a:r>
+          </a:p>
+        </p:txBody>
+      </p:sp>
+      <p:sp>
+        <p:nvSpPr>
+          <p:cNvPr id="8" name="Content Placeholder 7">
+            <a:extLst>
+              <a:ext uri="{FF2B5EF4-FFF2-40B4-BE49-F238E27FC236}">
+                <a16:creationId xmlns:a16="http://schemas.microsoft.com/office/drawing/2014/main" id="{92ED28F0-BDC5-432D-8AE1-F4E36574741C}"/>
+              </a:ext>
+            </a:extLst>
+          </p:cNvPr>
+          <p:cNvSpPr>
+            <a:spLocks noGrp="1"/>
+          </p:cNvSpPr>
+          <p:nvPr>
+            <p:ph sz="quarter" idx="4"/>
+          </p:nvPr>
+        </p:nvSpPr>
+        <p:spPr/>
+        <p:txBody>
+          <a:bodyPr vert="horz" lIns="91440" tIns="45720" rIns="91440" bIns="45720" rtlCol="0" anchor="t">
+            <a:normAutofit fontScale="92500" lnSpcReduction="20000"/>
+          </a:bodyPr>
+          <a:lstStyle/>
+          <a:p>
+            <a:pPr marL="342900" lvl="0" indent="-342900">
+              <a:lnSpc>
+                <a:spcPct val="107000"/>
+              </a:lnSpc>
+              <a:buFont typeface="Symbol" panose="05050102010706020507" pitchFamily="18" charset="2"/>
+              <a:buChar char=""/>
+              <a:tabLst>
+                <a:tab pos="457200" algn="l"/>
+              </a:tabLst>
+            </a:pPr>
+            <a:r>
+              <a:rPr lang="en-GB" sz="2600">
+                <a:effectLst/>
+                <a:latin typeface="Calibri"/>
+                <a:ea typeface="Calibri" panose="020F0502020204030204" pitchFamily="34" charset="0"/>
+                <a:cs typeface="Times New Roman"/>
+              </a:rPr>
+              <a:t>Organisation </a:t>
+            </a:r>
+            <a:r>
+              <a:rPr lang="en-GB" sz="2600" err="1">
+                <a:effectLst/>
+                <a:latin typeface="Calibri"/>
+                <a:ea typeface="Calibri" panose="020F0502020204030204" pitchFamily="34" charset="0"/>
+                <a:cs typeface="Times New Roman"/>
+              </a:rPr>
+              <a:t>über</a:t>
+            </a:r>
+            <a:r>
+              <a:rPr lang="en-GB" sz="2600">
+                <a:effectLst/>
+                <a:latin typeface="Calibri"/>
+                <a:ea typeface="Calibri" panose="020F0502020204030204" pitchFamily="34" charset="0"/>
+                <a:cs typeface="Times New Roman"/>
+              </a:rPr>
+              <a:t> </a:t>
+            </a:r>
+            <a:r>
+              <a:rPr lang="en-GB" sz="2600">
+                <a:latin typeface="Calibri"/>
+                <a:ea typeface="Calibri" panose="020F0502020204030204" pitchFamily="34" charset="0"/>
+                <a:cs typeface="Times New Roman"/>
+              </a:rPr>
+              <a:t>Kanban-Board</a:t>
+            </a:r>
+            <a:r>
+              <a:rPr lang="en-GB" sz="2600">
+                <a:effectLst/>
+                <a:latin typeface="Calibri"/>
+                <a:ea typeface="Calibri" panose="020F0502020204030204" pitchFamily="34" charset="0"/>
+                <a:cs typeface="Times New Roman"/>
+              </a:rPr>
+              <a:t> </a:t>
+            </a:r>
+            <a:br>
+              <a:rPr lang="en-GB" sz="2600">
+                <a:effectLst/>
+                <a:latin typeface="Calibri" panose="020F0502020204030204" pitchFamily="34" charset="0"/>
+                <a:ea typeface="Calibri" panose="020F0502020204030204" pitchFamily="34" charset="0"/>
+                <a:cs typeface="Times New Roman" panose="02020603050405020304" pitchFamily="18" charset="0"/>
+              </a:rPr>
+            </a:br>
+            <a:endParaRPr lang="en-GB" sz="1800">
+              <a:latin typeface="Calibri" panose="020F0502020204030204" pitchFamily="34" charset="0"/>
+              <a:ea typeface="Calibri" panose="020F0502020204030204" pitchFamily="34" charset="0"/>
+              <a:cs typeface="Times New Roman" panose="02020603050405020304" pitchFamily="18" charset="0"/>
+            </a:endParaRPr>
+          </a:p>
+          <a:p>
+            <a:pPr marL="0" lvl="0" indent="0">
+              <a:lnSpc>
+                <a:spcPct val="107000"/>
+              </a:lnSpc>
+              <a:buNone/>
+              <a:tabLst>
+                <a:tab pos="457200" algn="l"/>
+              </a:tabLst>
+            </a:pPr>
+            <a:r>
+              <a:rPr lang="en-GB" sz="3000" b="1">
+                <a:latin typeface="Calibri" panose="020F0502020204030204" pitchFamily="34" charset="0"/>
+                <a:ea typeface="Calibri" panose="020F0502020204030204" pitchFamily="34" charset="0"/>
+                <a:cs typeface="Times New Roman" panose="02020603050405020304" pitchFamily="18" charset="0"/>
+              </a:rPr>
+              <a:t>Rollen</a:t>
+            </a:r>
+          </a:p>
+          <a:p>
+            <a:pPr marL="342900" lvl="0" indent="-342900">
+              <a:lnSpc>
+                <a:spcPct val="107000"/>
+              </a:lnSpc>
+              <a:buFont typeface="Symbol" panose="05050102010706020507" pitchFamily="18" charset="2"/>
+              <a:buChar char=""/>
+              <a:tabLst>
+                <a:tab pos="457200" algn="l"/>
+              </a:tabLst>
+            </a:pPr>
+            <a:r>
+              <a:rPr lang="en-GB" sz="2600">
+                <a:effectLst/>
+                <a:latin typeface="Calibri" panose="020F0502020204030204" pitchFamily="34" charset="0"/>
+                <a:ea typeface="Calibri" panose="020F0502020204030204" pitchFamily="34" charset="0"/>
+                <a:cs typeface="Times New Roman" panose="02020603050405020304" pitchFamily="18" charset="0"/>
+              </a:rPr>
+              <a:t>Scrum Master: Jana</a:t>
+            </a:r>
+            <a:endParaRPr lang="en-DE" sz="2600">
+              <a:effectLst/>
+              <a:latin typeface="Calibri" panose="020F0502020204030204" pitchFamily="34" charset="0"/>
+              <a:ea typeface="Calibri" panose="020F0502020204030204" pitchFamily="34" charset="0"/>
+              <a:cs typeface="Times New Roman" panose="02020603050405020304" pitchFamily="18" charset="0"/>
+            </a:endParaRPr>
+          </a:p>
+          <a:p>
+            <a:pPr marL="342900" lvl="0" indent="-342900">
+              <a:lnSpc>
+                <a:spcPct val="107000"/>
+              </a:lnSpc>
+              <a:buFont typeface="Symbol" panose="05050102010706020507" pitchFamily="18" charset="2"/>
+              <a:buChar char=""/>
+              <a:tabLst>
+                <a:tab pos="457200" algn="l"/>
+              </a:tabLst>
+            </a:pPr>
+            <a:r>
+              <a:rPr lang="en-GB" sz="2600">
+                <a:effectLst/>
+                <a:latin typeface="Calibri" panose="020F0502020204030204" pitchFamily="34" charset="0"/>
+                <a:ea typeface="Calibri" panose="020F0502020204030204" pitchFamily="34" charset="0"/>
+                <a:cs typeface="Times New Roman" panose="02020603050405020304" pitchFamily="18" charset="0"/>
+              </a:rPr>
+              <a:t>Product Owner: Valentin</a:t>
+            </a:r>
+            <a:endParaRPr lang="en-DE" sz="2600">
+              <a:effectLst/>
+              <a:latin typeface="Calibri" panose="020F0502020204030204" pitchFamily="34" charset="0"/>
+              <a:ea typeface="Calibri" panose="020F0502020204030204" pitchFamily="34" charset="0"/>
+              <a:cs typeface="Times New Roman" panose="02020603050405020304" pitchFamily="18" charset="0"/>
+            </a:endParaRPr>
+          </a:p>
+          <a:p>
+            <a:pPr marL="342900" lvl="0" indent="-342900">
+              <a:lnSpc>
+                <a:spcPct val="107000"/>
+              </a:lnSpc>
+              <a:buFont typeface="Symbol" panose="05050102010706020507" pitchFamily="18" charset="2"/>
+              <a:buChar char=""/>
+              <a:tabLst>
+                <a:tab pos="457200" algn="l"/>
+              </a:tabLst>
+            </a:pPr>
+            <a:r>
+              <a:rPr lang="en-GB" sz="2600">
+                <a:effectLst/>
+                <a:latin typeface="Calibri" panose="020F0502020204030204" pitchFamily="34" charset="0"/>
+                <a:ea typeface="Calibri" panose="020F0502020204030204" pitchFamily="34" charset="0"/>
+                <a:cs typeface="Times New Roman" panose="02020603050405020304" pitchFamily="18" charset="0"/>
+              </a:rPr>
+              <a:t>Sales: Caro</a:t>
+            </a:r>
+            <a:endParaRPr lang="en-DE" sz="2600">
+              <a:effectLst/>
+              <a:latin typeface="Calibri" panose="020F0502020204030204" pitchFamily="34" charset="0"/>
+              <a:ea typeface="Calibri" panose="020F0502020204030204" pitchFamily="34" charset="0"/>
+              <a:cs typeface="Times New Roman" panose="02020603050405020304" pitchFamily="18" charset="0"/>
+            </a:endParaRPr>
+          </a:p>
+          <a:p>
+            <a:pPr marL="342900" lvl="0" indent="-342900">
+              <a:lnSpc>
+                <a:spcPct val="107000"/>
+              </a:lnSpc>
+              <a:buFont typeface="Symbol" panose="05050102010706020507" pitchFamily="18" charset="2"/>
+              <a:buChar char=""/>
+              <a:tabLst>
+                <a:tab pos="457200" algn="l"/>
+              </a:tabLst>
+            </a:pPr>
+            <a:r>
+              <a:rPr lang="en-GB" sz="2600">
+                <a:effectLst/>
+                <a:latin typeface="Calibri" panose="020F0502020204030204" pitchFamily="34" charset="0"/>
+                <a:ea typeface="Calibri" panose="020F0502020204030204" pitchFamily="34" charset="0"/>
+                <a:cs typeface="Times New Roman" panose="02020603050405020304" pitchFamily="18" charset="0"/>
+              </a:rPr>
+              <a:t>Developers: Valentin, André, Jana, Caro</a:t>
+            </a:r>
+            <a:endParaRPr lang="en-DE" sz="2600">
+              <a:effectLst/>
+              <a:latin typeface="Calibri" panose="020F0502020204030204" pitchFamily="34" charset="0"/>
+              <a:ea typeface="Calibri" panose="020F0502020204030204" pitchFamily="34" charset="0"/>
+              <a:cs typeface="Times New Roman" panose="02020603050405020304" pitchFamily="18" charset="0"/>
+            </a:endParaRPr>
+          </a:p>
+          <a:p>
+            <a:pPr marL="342900" lvl="0" indent="-342900">
+              <a:lnSpc>
+                <a:spcPct val="107000"/>
+              </a:lnSpc>
+              <a:buFont typeface="Symbol" panose="05050102010706020507" pitchFamily="18" charset="2"/>
+              <a:buChar char=""/>
+              <a:tabLst>
+                <a:tab pos="457200" algn="l"/>
+              </a:tabLst>
+            </a:pPr>
+            <a:r>
+              <a:rPr lang="en-GB" sz="2600">
+                <a:effectLst/>
+                <a:latin typeface="Calibri" panose="020F0502020204030204" pitchFamily="34" charset="0"/>
+                <a:ea typeface="Calibri" panose="020F0502020204030204" pitchFamily="34" charset="0"/>
+                <a:cs typeface="Times New Roman" panose="02020603050405020304" pitchFamily="18" charset="0"/>
+              </a:rPr>
+              <a:t>Architect: André</a:t>
+            </a:r>
+          </a:p>
+          <a:p>
+            <a:pPr marL="0" lvl="0" indent="0">
+              <a:lnSpc>
+                <a:spcPct val="107000"/>
+              </a:lnSpc>
+              <a:buNone/>
+              <a:tabLst>
+                <a:tab pos="457200" algn="l"/>
+              </a:tabLst>
+            </a:pPr>
+            <a:endParaRPr lang="en-GB" sz="1800">
+              <a:latin typeface="Calibri" panose="020F0502020204030204" pitchFamily="34" charset="0"/>
+              <a:ea typeface="Calibri" panose="020F0502020204030204" pitchFamily="34" charset="0"/>
+              <a:cs typeface="Times New Roman" panose="02020603050405020304" pitchFamily="18" charset="0"/>
+            </a:endParaRPr>
+          </a:p>
+        </p:txBody>
+      </p:sp>
+      <p:sp>
+        <p:nvSpPr>
+          <p:cNvPr id="12" name="Date Placeholder 11">
+            <a:extLst>
+              <a:ext uri="{FF2B5EF4-FFF2-40B4-BE49-F238E27FC236}">
+                <a16:creationId xmlns:a16="http://schemas.microsoft.com/office/drawing/2014/main" id="{A9D1CCCF-122B-424B-872C-AFDF279520A1}"/>
+              </a:ext>
+            </a:extLst>
+          </p:cNvPr>
+          <p:cNvSpPr>
+            <a:spLocks noGrp="1"/>
+          </p:cNvSpPr>
+          <p:nvPr>
+            <p:ph type="dt" sz="half" idx="10"/>
+          </p:nvPr>
+        </p:nvSpPr>
+        <p:spPr/>
+        <p:txBody>
+          <a:bodyPr/>
+          <a:lstStyle/>
+          <a:p>
+            <a:r>
+              <a:rPr lang="en-DE"/>
+              <a:t>&lt;/&gt; | ShireTec</a:t>
+            </a:r>
+          </a:p>
+        </p:txBody>
+      </p:sp>
+      <p:sp>
+        <p:nvSpPr>
+          <p:cNvPr id="13" name="Slide Number Placeholder 12">
+            <a:extLst>
+              <a:ext uri="{FF2B5EF4-FFF2-40B4-BE49-F238E27FC236}">
+                <a16:creationId xmlns:a16="http://schemas.microsoft.com/office/drawing/2014/main" id="{546C958E-1665-4F2A-A074-E099B6144D74}"/>
+              </a:ext>
+            </a:extLst>
+          </p:cNvPr>
+          <p:cNvSpPr>
+            <a:spLocks noGrp="1"/>
+          </p:cNvSpPr>
+          <p:nvPr>
+            <p:ph type="sldNum" sz="quarter" idx="12"/>
+          </p:nvPr>
+        </p:nvSpPr>
+        <p:spPr/>
+        <p:txBody>
+          <a:bodyPr/>
+          <a:lstStyle/>
+          <a:p>
+            <a:fld id="{330EA680-D336-4FF7-8B7A-9848BB0A1C32}" type="slidenum">
+              <a:rPr lang="en-US" smtClean="0"/>
+              <a:pPr/>
+              <a:t>20</a:t>
+            </a:fld>
+            <a:endParaRPr lang="en-DE"/>
+          </a:p>
+        </p:txBody>
+      </p:sp>
+    </p:spTree>
+    <p:extLst>
+      <p:ext uri="{BB962C8B-B14F-4D97-AF65-F5344CB8AC3E}">
+        <p14:creationId xmlns:p14="http://schemas.microsoft.com/office/powerpoint/2010/main" val="1395693819"/>
+      </p:ext>
+    </p:extLst>
+  </p:cSld>
+  <p:clrMapOvr>
+    <a:masterClrMapping/>
+  </p:clrMapOvr>
+</p:sld>
+</file>
+
+<file path=ppt/slides/slide21.xml><?xml version="1.0" encoding="utf-8"?>
+<p:sld xmlns:a="http://schemas.openxmlformats.org/drawingml/2006/main" xmlns:r="http://schemas.openxmlformats.org/officeDocument/2006/relationships" xmlns:p="http://schemas.openxmlformats.org/presentationml/2006/main">
+  <p:cSld>
+    <p:spTree>
+      <p:nvGrpSpPr>
+        <p:cNvPr id="1" name=""/>
+        <p:cNvGrpSpPr/>
+        <p:nvPr/>
+      </p:nvGrpSpPr>
+      <p:grpSpPr>
+        <a:xfrm>
+          <a:off x="0" y="0"/>
+          <a:ext cx="0" cy="0"/>
+          <a:chOff x="0" y="0"/>
+          <a:chExt cx="0" cy="0"/>
+        </a:xfrm>
+      </p:grpSpPr>
+      <p:sp>
+        <p:nvSpPr>
           <p:cNvPr id="2" name="Title 1">
             <a:extLst>
               <a:ext uri="{FF2B5EF4-FFF2-40B4-BE49-F238E27FC236}">
@@ -12911,7 +13772,7 @@
             <p:ph idx="1"/>
             <p:extLst>
               <p:ext uri="{D42A27DB-BD31-4B8C-83A1-F6EECF244321}">
-                <p14:modId xmlns:p14="http://schemas.microsoft.com/office/powerpoint/2010/main" val="1015822541"/>
+                <p14:modId xmlns:p14="http://schemas.microsoft.com/office/powerpoint/2010/main" val="2551019030"/>
               </p:ext>
             </p:extLst>
           </p:nvPr>
@@ -13022,6 +13883,36 @@
                         <a:rPr lang="de-DE" sz="2000"/>
                         <a:t>10.12.2021</a:t>
                       </a:r>
+                    </a:p>
+                    <a:p>
+                      <a:r>
+                        <a:rPr lang="de-DE" sz="2000" kern="1200">
+                          <a:effectLst/>
+                        </a:rPr>
+                        <a:t>13.01.2022</a:t>
+                      </a:r>
+                      <a:endParaRPr lang="en-DE" sz="2000" kern="1200">
+                        <a:effectLst/>
+                      </a:endParaRPr>
+                    </a:p>
+                    <a:p>
+                      <a:r>
+                        <a:rPr lang="de-DE" sz="2000" kern="1200">
+                          <a:effectLst/>
+                        </a:rPr>
+                        <a:t>18.01.2022</a:t>
+                      </a:r>
+                      <a:endParaRPr lang="en-DE" sz="2000" kern="1200">
+                        <a:effectLst/>
+                      </a:endParaRPr>
+                    </a:p>
+                    <a:p>
+                      <a:r>
+                        <a:rPr lang="de-DE" sz="2000" kern="1200">
+                          <a:effectLst/>
+                        </a:rPr>
+                        <a:t>25.01.2022</a:t>
+                      </a:r>
                       <a:endParaRPr lang="en-DE" sz="2000"/>
                     </a:p>
                   </a:txBody>
@@ -13115,9 +14006,20 @@
                     <a:p>
                       <a:r>
                         <a:rPr lang="de-DE" sz="2000"/>
-                        <a:t>+ vor nächsten Sprint Reviews</a:t>
+                        <a:t>12.01.2021</a:t>
                       </a:r>
-                      <a:endParaRPr lang="en-DE" sz="2000"/>
+                    </a:p>
+                    <a:p>
+                      <a:r>
+                        <a:rPr lang="de-DE" sz="2000"/>
+                        <a:t>18.01.2021</a:t>
+                      </a:r>
+                    </a:p>
+                    <a:p>
+                      <a:r>
+                        <a:rPr lang="de-DE" sz="2000"/>
+                        <a:t>24.01.2021</a:t>
+                      </a:r>
                     </a:p>
                   </a:txBody>
                   <a:tcPr/>
@@ -13231,7 +14133,7 @@
             <a:fld id="{330EA680-D336-4FF7-8B7A-9848BB0A1C32}" type="slidenum">
               <a:rPr lang="en-US" smtClean="0"/>
               <a:pPr/>
-              <a:t>18</a:t>
+              <a:t>21</a:t>
             </a:fld>
             <a:endParaRPr lang="en-DE"/>
           </a:p>
@@ -13250,7 +14152,7 @@
 </p:sld>
 </file>
 
-<file path=ppt/slides/slide19.xml><?xml version="1.0" encoding="utf-8"?>
+<file path=ppt/slides/slide22.xml><?xml version="1.0" encoding="utf-8"?>
 <p:sld xmlns:a="http://schemas.openxmlformats.org/drawingml/2006/main" xmlns:r="http://schemas.openxmlformats.org/officeDocument/2006/relationships" xmlns:p="http://schemas.openxmlformats.org/presentationml/2006/main">
   <p:cSld>
     <p:spTree>
@@ -13312,7 +14214,7 @@
             <p:ph idx="1"/>
             <p:extLst>
               <p:ext uri="{D42A27DB-BD31-4B8C-83A1-F6EECF244321}">
-                <p14:modId xmlns:p14="http://schemas.microsoft.com/office/powerpoint/2010/main" val="3001833383"/>
+                <p14:modId xmlns:p14="http://schemas.microsoft.com/office/powerpoint/2010/main" val="1221612560"/>
               </p:ext>
             </p:extLst>
           </p:nvPr>
@@ -13503,7 +14405,7 @@
                     <a:p>
                       <a:r>
                         <a:rPr lang="de-DE" sz="2000"/>
-                        <a:t>Nach Sprint Review</a:t>
+                        <a:t>Jew. nach Sprint Review</a:t>
                       </a:r>
                       <a:endParaRPr lang="en-DE" sz="2000"/>
                     </a:p>
@@ -13592,7 +14494,7 @@
             <a:fld id="{330EA680-D336-4FF7-8B7A-9848BB0A1C32}" type="slidenum">
               <a:rPr lang="en-US" smtClean="0"/>
               <a:pPr/>
-              <a:t>19</a:t>
+              <a:t>22</a:t>
             </a:fld>
             <a:endParaRPr lang="en-DE"/>
           </a:p>
@@ -13611,169 +14513,7 @@
 </p:sld>
 </file>
 
-<file path=ppt/slides/slide2.xml><?xml version="1.0" encoding="utf-8"?>
-<p:sld xmlns:a="http://schemas.openxmlformats.org/drawingml/2006/main" xmlns:r="http://schemas.openxmlformats.org/officeDocument/2006/relationships" xmlns:p="http://schemas.openxmlformats.org/presentationml/2006/main">
-  <p:cSld>
-    <p:spTree>
-      <p:nvGrpSpPr>
-        <p:cNvPr id="1" name=""/>
-        <p:cNvGrpSpPr/>
-        <p:nvPr/>
-      </p:nvGrpSpPr>
-      <p:grpSpPr>
-        <a:xfrm>
-          <a:off x="0" y="0"/>
-          <a:ext cx="0" cy="0"/>
-          <a:chOff x="0" y="0"/>
-          <a:chExt cx="0" cy="0"/>
-        </a:xfrm>
-      </p:grpSpPr>
-      <p:sp>
-        <p:nvSpPr>
-          <p:cNvPr id="2" name="Title 1">
-            <a:extLst>
-              <a:ext uri="{FF2B5EF4-FFF2-40B4-BE49-F238E27FC236}">
-                <a16:creationId xmlns:a16="http://schemas.microsoft.com/office/drawing/2014/main" id="{7FF6E559-321A-4C9F-82C7-1B14C5FB5189}"/>
-              </a:ext>
-            </a:extLst>
-          </p:cNvPr>
-          <p:cNvSpPr>
-            <a:spLocks noGrp="1"/>
-          </p:cNvSpPr>
-          <p:nvPr>
-            <p:ph type="title"/>
-          </p:nvPr>
-        </p:nvSpPr>
-        <p:spPr/>
-        <p:txBody>
-          <a:bodyPr/>
-          <a:lstStyle/>
-          <a:p>
-            <a:r>
-              <a:rPr lang="en-US"/>
-              <a:t>Agenda</a:t>
-            </a:r>
-            <a:endParaRPr lang="en-DE"/>
-          </a:p>
-        </p:txBody>
-      </p:sp>
-      <p:sp>
-        <p:nvSpPr>
-          <p:cNvPr id="3" name="Content Placeholder 2">
-            <a:extLst>
-              <a:ext uri="{FF2B5EF4-FFF2-40B4-BE49-F238E27FC236}">
-                <a16:creationId xmlns:a16="http://schemas.microsoft.com/office/drawing/2014/main" id="{27879402-FFB1-4926-99B2-898C8B83A30C}"/>
-              </a:ext>
-            </a:extLst>
-          </p:cNvPr>
-          <p:cNvSpPr>
-            <a:spLocks noGrp="1"/>
-          </p:cNvSpPr>
-          <p:nvPr>
-            <p:ph idx="1"/>
-          </p:nvPr>
-        </p:nvSpPr>
-        <p:spPr/>
-        <p:txBody>
-          <a:bodyPr vert="horz" lIns="91440" tIns="45720" rIns="91440" bIns="45720" rtlCol="0" anchor="t">
-            <a:normAutofit/>
-          </a:bodyPr>
-          <a:lstStyle/>
-          <a:p>
-            <a:r>
-              <a:rPr lang="en-US" sz="2400">
-                <a:cs typeface="Calibri"/>
-              </a:rPr>
-              <a:t>Produktpräsentation</a:t>
-            </a:r>
-          </a:p>
-          <a:p>
-            <a:endParaRPr lang="en-US" sz="1400">
-              <a:cs typeface="Calibri"/>
-            </a:endParaRPr>
-          </a:p>
-          <a:p>
-            <a:r>
-              <a:rPr lang="en-US" sz="2400">
-                <a:cs typeface="Calibri"/>
-              </a:rPr>
-              <a:t>Interne Umsetzung</a:t>
-            </a:r>
-          </a:p>
-        </p:txBody>
-      </p:sp>
-      <p:sp>
-        <p:nvSpPr>
-          <p:cNvPr id="9" name="Date Placeholder 8">
-            <a:extLst>
-              <a:ext uri="{FF2B5EF4-FFF2-40B4-BE49-F238E27FC236}">
-                <a16:creationId xmlns:a16="http://schemas.microsoft.com/office/drawing/2014/main" id="{EF3111CA-0161-4301-A6A8-2A3FA1A4DE84}"/>
-              </a:ext>
-            </a:extLst>
-          </p:cNvPr>
-          <p:cNvSpPr>
-            <a:spLocks noGrp="1"/>
-          </p:cNvSpPr>
-          <p:nvPr>
-            <p:ph type="dt" sz="half" idx="10"/>
-          </p:nvPr>
-        </p:nvSpPr>
-        <p:spPr/>
-        <p:txBody>
-          <a:bodyPr/>
-          <a:lstStyle/>
-          <a:p>
-            <a:r>
-              <a:rPr lang="en-DE"/>
-              <a:t>&lt;/&gt; | ShireTec</a:t>
-            </a:r>
-          </a:p>
-        </p:txBody>
-      </p:sp>
-      <p:sp>
-        <p:nvSpPr>
-          <p:cNvPr id="10" name="Slide Number Placeholder 9">
-            <a:extLst>
-              <a:ext uri="{FF2B5EF4-FFF2-40B4-BE49-F238E27FC236}">
-                <a16:creationId xmlns:a16="http://schemas.microsoft.com/office/drawing/2014/main" id="{4798AA60-3C24-4161-B744-2EB3576EAAB9}"/>
-              </a:ext>
-            </a:extLst>
-          </p:cNvPr>
-          <p:cNvSpPr>
-            <a:spLocks noGrp="1"/>
-          </p:cNvSpPr>
-          <p:nvPr>
-            <p:ph type="sldNum" sz="quarter" idx="12"/>
-          </p:nvPr>
-        </p:nvSpPr>
-        <p:spPr/>
-        <p:txBody>
-          <a:bodyPr/>
-          <a:lstStyle/>
-          <a:p>
-            <a:fld id="{330EA680-D336-4FF7-8B7A-9848BB0A1C32}" type="slidenum">
-              <a:rPr lang="en-US" smtClean="0"/>
-              <a:pPr/>
-              <a:t>2</a:t>
-            </a:fld>
-            <a:endParaRPr lang="en-DE"/>
-          </a:p>
-        </p:txBody>
-      </p:sp>
-    </p:spTree>
-    <p:extLst>
-      <p:ext uri="{BB962C8B-B14F-4D97-AF65-F5344CB8AC3E}">
-        <p14:creationId xmlns:p14="http://schemas.microsoft.com/office/powerpoint/2010/main" val="1471835945"/>
-      </p:ext>
-    </p:extLst>
-  </p:cSld>
-  <p:clrMapOvr>
-    <a:masterClrMapping/>
-  </p:clrMapOvr>
-</p:sld>
-</file>
-
-<file path=ppt/slides/slide20.xml><?xml version="1.0" encoding="utf-8"?>
+<file path=ppt/slides/slide23.xml><?xml version="1.0" encoding="utf-8"?>
 <p:sld xmlns:a="http://schemas.openxmlformats.org/drawingml/2006/main" xmlns:r="http://schemas.openxmlformats.org/officeDocument/2006/relationships" xmlns:p="http://schemas.openxmlformats.org/presentationml/2006/main">
   <p:cSld>
     <p:spTree>
@@ -15281,7 +16021,7 @@
             <a:fld id="{330EA680-D336-4FF7-8B7A-9848BB0A1C32}" type="slidenum">
               <a:rPr lang="en-US" smtClean="0"/>
               <a:pPr/>
-              <a:t>20</a:t>
+              <a:t>23</a:t>
             </a:fld>
             <a:endParaRPr lang="en-DE"/>
           </a:p>
@@ -15300,7 +16040,7 @@
 </p:sld>
 </file>
 
-<file path=ppt/slides/slide21.xml><?xml version="1.0" encoding="utf-8"?>
+<file path=ppt/slides/slide24.xml><?xml version="1.0" encoding="utf-8"?>
 <p:sld xmlns:a="http://schemas.openxmlformats.org/drawingml/2006/main" xmlns:r="http://schemas.openxmlformats.org/officeDocument/2006/relationships" xmlns:p="http://schemas.openxmlformats.org/presentationml/2006/main">
   <p:cSld>
     <p:spTree>
@@ -16046,7 +16786,7 @@
             <a:fld id="{330EA680-D336-4FF7-8B7A-9848BB0A1C32}" type="slidenum">
               <a:rPr lang="en-US" smtClean="0"/>
               <a:pPr/>
-              <a:t>21</a:t>
+              <a:t>24</a:t>
             </a:fld>
             <a:endParaRPr lang="en-DE"/>
           </a:p>
@@ -16065,7 +16805,7 @@
 </p:sld>
 </file>
 
-<file path=ppt/slides/slide22.xml><?xml version="1.0" encoding="utf-8"?>
+<file path=ppt/slides/slide25.xml><?xml version="1.0" encoding="utf-8"?>
 <p:sld xmlns:a="http://schemas.openxmlformats.org/drawingml/2006/main" xmlns:r="http://schemas.openxmlformats.org/officeDocument/2006/relationships" xmlns:p="http://schemas.openxmlformats.org/presentationml/2006/main">
   <p:cSld>
     <p:spTree>
@@ -16260,7 +17000,7 @@
           <a:p>
             <a:fld id="{330EA680-D336-4FF7-8B7A-9848BB0A1C32}" type="slidenum">
               <a:rPr lang="en-US" smtClean="0"/>
-              <a:t>22</a:t>
+              <a:t>25</a:t>
             </a:fld>
             <a:endParaRPr lang="en-US"/>
           </a:p>
@@ -16328,7 +17068,7 @@
 </p:sld>
 </file>
 
-<file path=ppt/slides/slide23.xml><?xml version="1.0" encoding="utf-8"?>
+<file path=ppt/slides/slide26.xml><?xml version="1.0" encoding="utf-8"?>
 <p:sld xmlns:a="http://schemas.openxmlformats.org/drawingml/2006/main" xmlns:r="http://schemas.openxmlformats.org/officeDocument/2006/relationships" xmlns:p="http://schemas.openxmlformats.org/presentationml/2006/main">
   <p:cSld>
     <p:spTree>
@@ -16514,7 +17254,7 @@
           <a:p>
             <a:fld id="{330EA680-D336-4FF7-8B7A-9848BB0A1C32}" type="slidenum">
               <a:rPr lang="en-US" smtClean="0"/>
-              <a:t>23</a:t>
+              <a:t>26</a:t>
             </a:fld>
             <a:endParaRPr lang="en-US"/>
           </a:p>
@@ -16582,7 +17322,7 @@
 </p:sld>
 </file>
 
-<file path=ppt/slides/slide24.xml><?xml version="1.0" encoding="utf-8"?>
+<file path=ppt/slides/slide27.xml><?xml version="1.0" encoding="utf-8"?>
 <p:sld xmlns:a="http://schemas.openxmlformats.org/drawingml/2006/main" xmlns:r="http://schemas.openxmlformats.org/officeDocument/2006/relationships" xmlns:p="http://schemas.openxmlformats.org/presentationml/2006/main">
   <p:cSld>
     <p:spTree>
@@ -17964,7 +18704,7 @@
           <a:p>
             <a:fld id="{330EA680-D336-4FF7-8B7A-9848BB0A1C32}" type="slidenum">
               <a:rPr lang="en-US" smtClean="0"/>
-              <a:t>24</a:t>
+              <a:t>27</a:t>
             </a:fld>
             <a:endParaRPr lang="en-US"/>
           </a:p>
@@ -17983,7 +18723,7 @@
 </p:sld>
 </file>
 
-<file path=ppt/slides/slide25.xml><?xml version="1.0" encoding="utf-8"?>
+<file path=ppt/slides/slide28.xml><?xml version="1.0" encoding="utf-8"?>
 <p:sld xmlns:a="http://schemas.openxmlformats.org/drawingml/2006/main" xmlns:r="http://schemas.openxmlformats.org/officeDocument/2006/relationships" xmlns:p="http://schemas.openxmlformats.org/presentationml/2006/main">
   <p:cSld>
     <p:spTree>
@@ -18115,7 +18855,7 @@
             <a:fld id="{330EA680-D336-4FF7-8B7A-9848BB0A1C32}" type="slidenum">
               <a:rPr lang="en-US" smtClean="0"/>
               <a:pPr/>
-              <a:t>25</a:t>
+              <a:t>28</a:t>
             </a:fld>
             <a:endParaRPr lang="en-DE"/>
           </a:p>
@@ -18134,7 +18874,7 @@
 </p:sld>
 </file>
 
-<file path=ppt/slides/slide26.xml><?xml version="1.0" encoding="utf-8"?>
+<file path=ppt/slides/slide29.xml><?xml version="1.0" encoding="utf-8"?>
 <p:sld xmlns:a="http://schemas.openxmlformats.org/drawingml/2006/main" xmlns:r="http://schemas.openxmlformats.org/officeDocument/2006/relationships" xmlns:p="http://schemas.openxmlformats.org/presentationml/2006/main">
   <p:cSld>
     <p:spTree>
@@ -18262,7 +19002,7 @@
             <a:fld id="{330EA680-D336-4FF7-8B7A-9848BB0A1C32}" type="slidenum">
               <a:rPr lang="en-US" smtClean="0"/>
               <a:pPr/>
-              <a:t>26</a:t>
+              <a:t>29</a:t>
             </a:fld>
             <a:endParaRPr lang="en-DE"/>
           </a:p>
@@ -18281,7 +19021,149 @@
 </p:sld>
 </file>
 
-<file path=ppt/slides/slide27.xml><?xml version="1.0" encoding="utf-8"?>
+<file path=ppt/slides/slide3.xml><?xml version="1.0" encoding="utf-8"?>
+<p:sld xmlns:a="http://schemas.openxmlformats.org/drawingml/2006/main" xmlns:r="http://schemas.openxmlformats.org/officeDocument/2006/relationships" xmlns:p="http://schemas.openxmlformats.org/presentationml/2006/main">
+  <p:cSld>
+    <p:spTree>
+      <p:nvGrpSpPr>
+        <p:cNvPr id="1" name=""/>
+        <p:cNvGrpSpPr/>
+        <p:nvPr/>
+      </p:nvGrpSpPr>
+      <p:grpSpPr>
+        <a:xfrm>
+          <a:off x="0" y="0"/>
+          <a:ext cx="0" cy="0"/>
+          <a:chOff x="0" y="0"/>
+          <a:chExt cx="0" cy="0"/>
+        </a:xfrm>
+      </p:grpSpPr>
+      <p:sp>
+        <p:nvSpPr>
+          <p:cNvPr id="6" name="Title 5">
+            <a:extLst>
+              <a:ext uri="{FF2B5EF4-FFF2-40B4-BE49-F238E27FC236}">
+                <a16:creationId xmlns:a16="http://schemas.microsoft.com/office/drawing/2014/main" id="{656399B2-02A8-4627-95C7-30188B45FBCE}"/>
+              </a:ext>
+            </a:extLst>
+          </p:cNvPr>
+          <p:cNvSpPr>
+            <a:spLocks noGrp="1"/>
+          </p:cNvSpPr>
+          <p:nvPr>
+            <p:ph type="ctrTitle"/>
+          </p:nvPr>
+        </p:nvSpPr>
+        <p:spPr/>
+        <p:txBody>
+          <a:bodyPr/>
+          <a:lstStyle/>
+          <a:p>
+            <a:r>
+              <a:rPr lang="de-DE"/>
+              <a:t>Produktpräsentation</a:t>
+            </a:r>
+            <a:endParaRPr lang="en-DE"/>
+          </a:p>
+        </p:txBody>
+      </p:sp>
+      <p:sp>
+        <p:nvSpPr>
+          <p:cNvPr id="7" name="Subtitle 6">
+            <a:extLst>
+              <a:ext uri="{FF2B5EF4-FFF2-40B4-BE49-F238E27FC236}">
+                <a16:creationId xmlns:a16="http://schemas.microsoft.com/office/drawing/2014/main" id="{E32B1B15-3A0D-4EBF-9C5E-59351ECDCD34}"/>
+              </a:ext>
+            </a:extLst>
+          </p:cNvPr>
+          <p:cNvSpPr>
+            <a:spLocks noGrp="1"/>
+          </p:cNvSpPr>
+          <p:nvPr>
+            <p:ph type="subTitle" idx="1"/>
+          </p:nvPr>
+        </p:nvSpPr>
+        <p:spPr/>
+        <p:txBody>
+          <a:bodyPr/>
+          <a:lstStyle/>
+          <a:p>
+            <a:endParaRPr lang="en-DE"/>
+          </a:p>
+        </p:txBody>
+      </p:sp>
+      <p:sp>
+        <p:nvSpPr>
+          <p:cNvPr id="4" name="Date Placeholder 3">
+            <a:extLst>
+              <a:ext uri="{FF2B5EF4-FFF2-40B4-BE49-F238E27FC236}">
+                <a16:creationId xmlns:a16="http://schemas.microsoft.com/office/drawing/2014/main" id="{291C7DF7-6A86-4C54-A588-96411EE4FB36}"/>
+              </a:ext>
+            </a:extLst>
+          </p:cNvPr>
+          <p:cNvSpPr>
+            <a:spLocks noGrp="1"/>
+          </p:cNvSpPr>
+          <p:nvPr>
+            <p:ph type="dt" sz="half" idx="10"/>
+          </p:nvPr>
+        </p:nvSpPr>
+        <p:spPr/>
+        <p:txBody>
+          <a:bodyPr/>
+          <a:lstStyle/>
+          <a:p>
+            <a:r>
+              <a:rPr lang="en-DE"/>
+              <a:t>&lt;/&gt; | ShireTec</a:t>
+            </a:r>
+          </a:p>
+        </p:txBody>
+      </p:sp>
+      <p:sp>
+        <p:nvSpPr>
+          <p:cNvPr id="5" name="Slide Number Placeholder 4">
+            <a:extLst>
+              <a:ext uri="{FF2B5EF4-FFF2-40B4-BE49-F238E27FC236}">
+                <a16:creationId xmlns:a16="http://schemas.microsoft.com/office/drawing/2014/main" id="{9E30CD1E-2564-4079-9D4B-44740316654E}"/>
+              </a:ext>
+            </a:extLst>
+          </p:cNvPr>
+          <p:cNvSpPr>
+            <a:spLocks noGrp="1"/>
+          </p:cNvSpPr>
+          <p:nvPr>
+            <p:ph type="sldNum" sz="quarter" idx="12"/>
+          </p:nvPr>
+        </p:nvSpPr>
+        <p:spPr/>
+        <p:txBody>
+          <a:bodyPr/>
+          <a:lstStyle/>
+          <a:p>
+            <a:fld id="{330EA680-D336-4FF7-8B7A-9848BB0A1C32}" type="slidenum">
+              <a:rPr lang="en-US" smtClean="0"/>
+              <a:pPr/>
+              <a:t>3</a:t>
+            </a:fld>
+            <a:endParaRPr lang="en-DE"/>
+          </a:p>
+        </p:txBody>
+      </p:sp>
+    </p:spTree>
+    <p:extLst>
+      <p:ext uri="{BB962C8B-B14F-4D97-AF65-F5344CB8AC3E}">
+        <p14:creationId xmlns:p14="http://schemas.microsoft.com/office/powerpoint/2010/main" val="1771619553"/>
+      </p:ext>
+    </p:extLst>
+  </p:cSld>
+  <p:clrMapOvr>
+    <a:masterClrMapping/>
+  </p:clrMapOvr>
+</p:sld>
+</file>
+
+<file path=ppt/slides/slide30.xml><?xml version="1.0" encoding="utf-8"?>
 <p:sld xmlns:a="http://schemas.openxmlformats.org/drawingml/2006/main" xmlns:r="http://schemas.openxmlformats.org/officeDocument/2006/relationships" xmlns:p="http://schemas.openxmlformats.org/presentationml/2006/main">
   <p:cSld>
     <p:spTree>
@@ -18409,7 +19291,7 @@
             <a:fld id="{330EA680-D336-4FF7-8B7A-9848BB0A1C32}" type="slidenum">
               <a:rPr lang="en-US" smtClean="0"/>
               <a:pPr/>
-              <a:t>27</a:t>
+              <a:t>30</a:t>
             </a:fld>
             <a:endParaRPr lang="en-DE"/>
           </a:p>
@@ -18428,7 +19310,7 @@
 </p:sld>
 </file>
 
-<file path=ppt/slides/slide28.xml><?xml version="1.0" encoding="utf-8"?>
+<file path=ppt/slides/slide31.xml><?xml version="1.0" encoding="utf-8"?>
 <p:sld xmlns:a="http://schemas.openxmlformats.org/drawingml/2006/main" xmlns:r="http://schemas.openxmlformats.org/officeDocument/2006/relationships" xmlns:p="http://schemas.openxmlformats.org/presentationml/2006/main">
   <p:cSld>
     <p:spTree>
@@ -19226,7 +20108,7 @@
             <a:fld id="{330EA680-D336-4FF7-8B7A-9848BB0A1C32}" type="slidenum">
               <a:rPr lang="en-US" smtClean="0"/>
               <a:pPr/>
-              <a:t>28</a:t>
+              <a:t>31</a:t>
             </a:fld>
             <a:endParaRPr lang="en-DE"/>
           </a:p>
@@ -19245,7 +20127,7 @@
 </p:sld>
 </file>
 
-<file path=ppt/slides/slide29.xml><?xml version="1.0" encoding="utf-8"?>
+<file path=ppt/slides/slide32.xml><?xml version="1.0" encoding="utf-8"?>
 <p:sld xmlns:a="http://schemas.openxmlformats.org/drawingml/2006/main" xmlns:r="http://schemas.openxmlformats.org/officeDocument/2006/relationships" xmlns:p="http://schemas.openxmlformats.org/presentationml/2006/main">
   <p:cSld>
     <p:spTree>
@@ -19345,7 +20227,7 @@
             <a:fld id="{330EA680-D336-4FF7-8B7A-9848BB0A1C32}" type="slidenum">
               <a:rPr lang="en-US" smtClean="0"/>
               <a:pPr/>
-              <a:t>29</a:t>
+              <a:t>32</a:t>
             </a:fld>
             <a:endParaRPr lang="en-DE"/>
           </a:p>
@@ -19494,7 +20376,7 @@
 </p:sld>
 </file>
 
-<file path=ppt/slides/slide3.xml><?xml version="1.0" encoding="utf-8"?>
+<file path=ppt/slides/slide33.xml><?xml version="1.0" encoding="utf-8"?>
 <p:sld xmlns:a="http://schemas.openxmlformats.org/drawingml/2006/main" xmlns:r="http://schemas.openxmlformats.org/officeDocument/2006/relationships" xmlns:p="http://schemas.openxmlformats.org/presentationml/2006/main">
   <p:cSld>
     <p:spTree>
@@ -19513,148 +20395,6 @@
       </p:grpSpPr>
       <p:sp>
         <p:nvSpPr>
-          <p:cNvPr id="6" name="Title 5">
-            <a:extLst>
-              <a:ext uri="{FF2B5EF4-FFF2-40B4-BE49-F238E27FC236}">
-                <a16:creationId xmlns:a16="http://schemas.microsoft.com/office/drawing/2014/main" id="{656399B2-02A8-4627-95C7-30188B45FBCE}"/>
-              </a:ext>
-            </a:extLst>
-          </p:cNvPr>
-          <p:cNvSpPr>
-            <a:spLocks noGrp="1"/>
-          </p:cNvSpPr>
-          <p:nvPr>
-            <p:ph type="ctrTitle"/>
-          </p:nvPr>
-        </p:nvSpPr>
-        <p:spPr/>
-        <p:txBody>
-          <a:bodyPr/>
-          <a:lstStyle/>
-          <a:p>
-            <a:r>
-              <a:rPr lang="de-DE"/>
-              <a:t>Produktpräsentation</a:t>
-            </a:r>
-            <a:endParaRPr lang="en-DE"/>
-          </a:p>
-        </p:txBody>
-      </p:sp>
-      <p:sp>
-        <p:nvSpPr>
-          <p:cNvPr id="7" name="Subtitle 6">
-            <a:extLst>
-              <a:ext uri="{FF2B5EF4-FFF2-40B4-BE49-F238E27FC236}">
-                <a16:creationId xmlns:a16="http://schemas.microsoft.com/office/drawing/2014/main" id="{E32B1B15-3A0D-4EBF-9C5E-59351ECDCD34}"/>
-              </a:ext>
-            </a:extLst>
-          </p:cNvPr>
-          <p:cNvSpPr>
-            <a:spLocks noGrp="1"/>
-          </p:cNvSpPr>
-          <p:nvPr>
-            <p:ph type="subTitle" idx="1"/>
-          </p:nvPr>
-        </p:nvSpPr>
-        <p:spPr/>
-        <p:txBody>
-          <a:bodyPr/>
-          <a:lstStyle/>
-          <a:p>
-            <a:endParaRPr lang="en-DE"/>
-          </a:p>
-        </p:txBody>
-      </p:sp>
-      <p:sp>
-        <p:nvSpPr>
-          <p:cNvPr id="4" name="Date Placeholder 3">
-            <a:extLst>
-              <a:ext uri="{FF2B5EF4-FFF2-40B4-BE49-F238E27FC236}">
-                <a16:creationId xmlns:a16="http://schemas.microsoft.com/office/drawing/2014/main" id="{291C7DF7-6A86-4C54-A588-96411EE4FB36}"/>
-              </a:ext>
-            </a:extLst>
-          </p:cNvPr>
-          <p:cNvSpPr>
-            <a:spLocks noGrp="1"/>
-          </p:cNvSpPr>
-          <p:nvPr>
-            <p:ph type="dt" sz="half" idx="10"/>
-          </p:nvPr>
-        </p:nvSpPr>
-        <p:spPr/>
-        <p:txBody>
-          <a:bodyPr/>
-          <a:lstStyle/>
-          <a:p>
-            <a:r>
-              <a:rPr lang="en-DE"/>
-              <a:t>&lt;/&gt; | ShireTec</a:t>
-            </a:r>
-          </a:p>
-        </p:txBody>
-      </p:sp>
-      <p:sp>
-        <p:nvSpPr>
-          <p:cNvPr id="5" name="Slide Number Placeholder 4">
-            <a:extLst>
-              <a:ext uri="{FF2B5EF4-FFF2-40B4-BE49-F238E27FC236}">
-                <a16:creationId xmlns:a16="http://schemas.microsoft.com/office/drawing/2014/main" id="{9E30CD1E-2564-4079-9D4B-44740316654E}"/>
-              </a:ext>
-            </a:extLst>
-          </p:cNvPr>
-          <p:cNvSpPr>
-            <a:spLocks noGrp="1"/>
-          </p:cNvSpPr>
-          <p:nvPr>
-            <p:ph type="sldNum" sz="quarter" idx="12"/>
-          </p:nvPr>
-        </p:nvSpPr>
-        <p:spPr/>
-        <p:txBody>
-          <a:bodyPr/>
-          <a:lstStyle/>
-          <a:p>
-            <a:fld id="{330EA680-D336-4FF7-8B7A-9848BB0A1C32}" type="slidenum">
-              <a:rPr lang="en-US" smtClean="0"/>
-              <a:pPr/>
-              <a:t>3</a:t>
-            </a:fld>
-            <a:endParaRPr lang="en-DE"/>
-          </a:p>
-        </p:txBody>
-      </p:sp>
-    </p:spTree>
-    <p:extLst>
-      <p:ext uri="{BB962C8B-B14F-4D97-AF65-F5344CB8AC3E}">
-        <p14:creationId xmlns:p14="http://schemas.microsoft.com/office/powerpoint/2010/main" val="1771619553"/>
-      </p:ext>
-    </p:extLst>
-  </p:cSld>
-  <p:clrMapOvr>
-    <a:masterClrMapping/>
-  </p:clrMapOvr>
-</p:sld>
-</file>
-
-<file path=ppt/slides/slide30.xml><?xml version="1.0" encoding="utf-8"?>
-<p:sld xmlns:a="http://schemas.openxmlformats.org/drawingml/2006/main" xmlns:r="http://schemas.openxmlformats.org/officeDocument/2006/relationships" xmlns:p="http://schemas.openxmlformats.org/presentationml/2006/main">
-  <p:cSld>
-    <p:spTree>
-      <p:nvGrpSpPr>
-        <p:cNvPr id="1" name=""/>
-        <p:cNvGrpSpPr/>
-        <p:nvPr/>
-      </p:nvGrpSpPr>
-      <p:grpSpPr>
-        <a:xfrm>
-          <a:off x="0" y="0"/>
-          <a:ext cx="0" cy="0"/>
-          <a:chOff x="0" y="0"/>
-          <a:chExt cx="0" cy="0"/>
-        </a:xfrm>
-      </p:grpSpPr>
-      <p:sp>
-        <p:nvSpPr>
           <p:cNvPr id="4" name="Title 3">
             <a:extLst>
               <a:ext uri="{FF2B5EF4-FFF2-40B4-BE49-F238E27FC236}">
@@ -19834,7 +20574,7 @@
             <a:fld id="{330EA680-D336-4FF7-8B7A-9848BB0A1C32}" type="slidenum">
               <a:rPr lang="en-US" smtClean="0"/>
               <a:pPr/>
-              <a:t>30</a:t>
+              <a:t>33</a:t>
             </a:fld>
             <a:endParaRPr lang="en-DE"/>
           </a:p>
@@ -19883,7 +20623,7 @@
 </p:sld>
 </file>
 
-<file path=ppt/slides/slide31.xml><?xml version="1.0" encoding="utf-8"?>
+<file path=ppt/slides/slide34.xml><?xml version="1.0" encoding="utf-8"?>
 <p:sld xmlns:a="http://schemas.openxmlformats.org/drawingml/2006/main" xmlns:r="http://schemas.openxmlformats.org/officeDocument/2006/relationships" xmlns:p="http://schemas.openxmlformats.org/presentationml/2006/main">
   <p:cSld>
     <p:spTree>
@@ -20016,7 +20756,7 @@
           <a:p>
             <a:fld id="{330EA680-D336-4FF7-8B7A-9848BB0A1C32}" type="slidenum">
               <a:rPr lang="en-US" smtClean="0"/>
-              <a:t>31</a:t>
+              <a:t>34</a:t>
             </a:fld>
             <a:endParaRPr lang="en-US"/>
           </a:p>
@@ -20071,7 +20811,7 @@
 </p:sld>
 </file>
 
-<file path=ppt/slides/slide32.xml><?xml version="1.0" encoding="utf-8"?>
+<file path=ppt/slides/slide35.xml><?xml version="1.0" encoding="utf-8"?>
 <p:sld xmlns:a="http://schemas.openxmlformats.org/drawingml/2006/main" xmlns:r="http://schemas.openxmlformats.org/officeDocument/2006/relationships" xmlns:p="http://schemas.openxmlformats.org/presentationml/2006/main">
   <p:cSld>
     <p:spTree>
@@ -20204,7 +20944,7 @@
           <a:p>
             <a:fld id="{330EA680-D336-4FF7-8B7A-9848BB0A1C32}" type="slidenum">
               <a:rPr lang="en-US" smtClean="0"/>
-              <a:t>32</a:t>
+              <a:t>35</a:t>
             </a:fld>
             <a:endParaRPr lang="en-US"/>
           </a:p>
@@ -20259,7 +20999,7 @@
 </p:sld>
 </file>
 
-<file path=ppt/slides/slide33.xml><?xml version="1.0" encoding="utf-8"?>
+<file path=ppt/slides/slide36.xml><?xml version="1.0" encoding="utf-8"?>
 <p:sld xmlns:a="http://schemas.openxmlformats.org/drawingml/2006/main" xmlns:r="http://schemas.openxmlformats.org/officeDocument/2006/relationships" xmlns:p="http://schemas.openxmlformats.org/presentationml/2006/main">
   <p:cSld>
     <p:spTree>
@@ -20391,7 +21131,7 @@
           <a:p>
             <a:fld id="{330EA680-D336-4FF7-8B7A-9848BB0A1C32}" type="slidenum">
               <a:rPr lang="en-US" smtClean="0"/>
-              <a:t>33</a:t>
+              <a:t>36</a:t>
             </a:fld>
             <a:endParaRPr lang="en-US"/>
           </a:p>
@@ -20410,7 +21150,7 @@
 </p:sld>
 </file>
 
-<file path=ppt/slides/slide34.xml><?xml version="1.0" encoding="utf-8"?>
+<file path=ppt/slides/slide37.xml><?xml version="1.0" encoding="utf-8"?>
 <p:sld xmlns:a="http://schemas.openxmlformats.org/drawingml/2006/main" xmlns:r="http://schemas.openxmlformats.org/officeDocument/2006/relationships" xmlns:p="http://schemas.openxmlformats.org/presentationml/2006/main">
   <p:cSld>
     <p:spTree>
@@ -20542,7 +21282,7 @@
           <a:p>
             <a:fld id="{330EA680-D336-4FF7-8B7A-9848BB0A1C32}" type="slidenum">
               <a:rPr lang="en-US" smtClean="0"/>
-              <a:t>34</a:t>
+              <a:t>37</a:t>
             </a:fld>
             <a:endParaRPr lang="en-US"/>
           </a:p>
@@ -20561,7 +21301,7 @@
 </p:sld>
 </file>
 
-<file path=ppt/slides/slide35.xml><?xml version="1.0" encoding="utf-8"?>
+<file path=ppt/slides/slide38.xml><?xml version="1.0" encoding="utf-8"?>
 <p:sld xmlns:a="http://schemas.openxmlformats.org/drawingml/2006/main" xmlns:r="http://schemas.openxmlformats.org/officeDocument/2006/relationships" xmlns:p="http://schemas.openxmlformats.org/presentationml/2006/main">
   <p:cSld>
     <p:spTree>
